--- a/scripts/init_data/ppt_analysis/1/黄色小清新文艺工作总结ppt模板.pptx
+++ b/scripts/init_data/ppt_analysis/1/黄色小清新文艺工作总结ppt模板.pptx
@@ -243,7 +243,7 @@
           <a:p>
             <a:fld id="{0F9B84EA-7D68-4D60-9CB1-D50884785D1C}" type="datetimeFigureOut">
               <a:rPr lang="zh-CN" altLang="en-US" smtClean="0"/>
-              <a:t>2025/5/26</a:t>
+              <a:t>2025/6/1</a:t>
             </a:fld>
             <a:endParaRPr lang="zh-CN" altLang="en-US"/>
           </a:p>
@@ -408,7 +408,7 @@
           <a:p>
             <a:fld id="{D6C8D182-E4C8-4120-9249-FC9774456FFA}" type="datetimeFigureOut">
               <a:rPr lang="zh-CN" altLang="en-US" smtClean="0"/>
-              <a:t>2025/5/26</a:t>
+              <a:t>2025/6/1</a:t>
             </a:fld>
             <a:endParaRPr lang="zh-CN" altLang="en-US"/>
           </a:p>
@@ -886,7 +886,7 @@
           <a:p>
             <a:fld id="{760FBDFE-C587-4B4C-A407-44438C67B59E}" type="datetimeFigureOut">
               <a:rPr lang="zh-CN" altLang="en-US" smtClean="0"/>
-              <a:t>2025/5/26</a:t>
+              <a:t>2025/6/1</a:t>
             </a:fld>
             <a:endParaRPr lang="zh-CN" altLang="en-US"/>
           </a:p>
@@ -1434,7 +1434,7 @@
           <a:p>
             <a:fld id="{760FBDFE-C587-4B4C-A407-44438C67B59E}" type="datetimeFigureOut">
               <a:rPr lang="zh-CN" altLang="en-US" smtClean="0"/>
-              <a:t>2025/5/26</a:t>
+              <a:t>2025/6/1</a:t>
             </a:fld>
             <a:endParaRPr lang="zh-CN" altLang="en-US"/>
           </a:p>
@@ -1993,7 +1993,7 @@
           <a:p>
             <a:fld id="{760FBDFE-C587-4B4C-A407-44438C67B59E}" type="datetimeFigureOut">
               <a:rPr lang="zh-CN" altLang="en-US" smtClean="0"/>
-              <a:t>2025/5/26</a:t>
+              <a:t>2025/6/1</a:t>
             </a:fld>
             <a:endParaRPr lang="zh-CN" altLang="en-US"/>
           </a:p>
@@ -3042,7 +3042,7 @@
           <a:p>
             <a:fld id="{760FBDFE-C587-4B4C-A407-44438C67B59E}" type="datetimeFigureOut">
               <a:rPr lang="zh-CN" altLang="en-US" smtClean="0"/>
-              <a:t>2025/5/26</a:t>
+              <a:t>2025/6/1</a:t>
             </a:fld>
             <a:endParaRPr lang="zh-CN" altLang="en-US"/>
           </a:p>
@@ -4737,7 +4737,7 @@
         <p:spPr>
           <a:xfrm>
             <a:off x="1703352" y="1443775"/>
-            <a:ext cx="8496562" cy="1338828"/>
+            <a:ext cx="8496562" cy="784830"/>
           </a:xfrm>
           <a:prstGeom prst="rect">
             <a:avLst/>
@@ -4782,75 +4782,19 @@
           </a:p>
           <a:p>
             <a:r>
-              <a:rPr lang="zh-CN" altLang="en-US" dirty="0">
-                <a:latin typeface="+mj-ea"/>
-                <a:ea typeface="+mj-ea"/>
+              <a:rPr lang="zh-CN" altLang="en-US" kern="0" dirty="0">
+                <a:solidFill>
+                  <a:schemeClr val="tx1">
+                    <a:lumMod val="75000"/>
+                    <a:lumOff val="25000"/>
+                  </a:schemeClr>
+                </a:solidFill>
+                <a:latin typeface="思源黑体 CN Normal" panose="020B0400000000000000" pitchFamily="34" charset="-122"/>
+                <a:ea typeface="思源黑体 CN Normal" panose="020B0400000000000000" pitchFamily="34" charset="-122"/>
               </a:rPr>
-              <a:t>当你在手机导航上滑动东京地铁图，或者用</a:t>
+              <a:t>请您单击此处添加合适文字加以说明，可调整文字大小或者颜色等属性。</a:t>
             </a:r>
-            <a:r>
-              <a:rPr lang="en" altLang="zh-CN" dirty="0">
-                <a:latin typeface="+mj-ea"/>
-                <a:ea typeface="+mj-ea"/>
-              </a:rPr>
-              <a:t>AR</a:t>
-            </a:r>
-            <a:r>
-              <a:rPr lang="zh-CN" altLang="en-US" dirty="0">
-                <a:latin typeface="+mj-ea"/>
-                <a:ea typeface="+mj-ea"/>
-              </a:rPr>
-              <a:t>地图玩</a:t>
-            </a:r>
-            <a:r>
-              <a:rPr lang="en-US" altLang="zh-CN" dirty="0">
-                <a:latin typeface="+mj-ea"/>
-                <a:ea typeface="+mj-ea"/>
-              </a:rPr>
-              <a:t>《</a:t>
-            </a:r>
-            <a:r>
-              <a:rPr lang="zh-CN" altLang="en-US" dirty="0">
-                <a:latin typeface="+mj-ea"/>
-                <a:ea typeface="+mj-ea"/>
-              </a:rPr>
-              <a:t>原神</a:t>
-            </a:r>
-            <a:r>
-              <a:rPr lang="en-US" altLang="zh-CN" dirty="0">
-                <a:latin typeface="+mj-ea"/>
-                <a:ea typeface="+mj-ea"/>
-              </a:rPr>
-              <a:t>》</a:t>
-            </a:r>
-            <a:r>
-              <a:rPr lang="zh-CN" altLang="en-US" dirty="0">
-                <a:latin typeface="+mj-ea"/>
-                <a:ea typeface="+mj-ea"/>
-              </a:rPr>
-              <a:t>时，这些炫酷科技背后都是地理技术的魔法！翻开教材</a:t>
-            </a:r>
-            <a:r>
-              <a:rPr lang="en" altLang="zh-CN" dirty="0">
-                <a:latin typeface="+mj-ea"/>
-                <a:ea typeface="+mj-ea"/>
-              </a:rPr>
-              <a:t>P16</a:t>
-            </a:r>
-            <a:r>
-              <a:rPr lang="zh-CN" altLang="en" dirty="0">
-                <a:latin typeface="+mj-ea"/>
-                <a:ea typeface="+mj-ea"/>
-              </a:rPr>
-              <a:t>，</a:t>
-            </a:r>
-            <a:r>
-              <a:rPr lang="zh-CN" altLang="en-US" dirty="0">
-                <a:latin typeface="+mj-ea"/>
-                <a:ea typeface="+mj-ea"/>
-              </a:rPr>
-              <a:t>让我们一起破解“亚洲气候类型分布密码本”。 </a:t>
-            </a:r>
+            <a:endParaRPr lang="zh-CN" altLang="en-US" dirty="0"/>
           </a:p>
         </p:txBody>
       </p:sp>
@@ -5203,7 +5147,7 @@
         <p:spPr>
           <a:xfrm>
             <a:off x="4832591" y="1278706"/>
-            <a:ext cx="4783494" cy="523220"/>
+            <a:ext cx="4783494" cy="738664"/>
           </a:xfrm>
           <a:prstGeom prst="rect">
             <a:avLst/>
@@ -5220,7 +5164,7 @@
                 <a:latin typeface="+mj-ea"/>
                 <a:ea typeface="+mj-ea"/>
               </a:rPr>
-              <a:t>经纬战场</a:t>
+              <a:t>标题</a:t>
             </a:r>
             <a:r>
               <a:rPr lang="zh-CN" altLang="en-US" sz="1400" dirty="0">
@@ -5236,26 +5180,19 @@
           </a:p>
           <a:p>
             <a:r>
-              <a:rPr lang="zh-CN" altLang="en-US" sz="1400" dirty="0">
-                <a:latin typeface="+mj-ea"/>
-                <a:ea typeface="+mj-ea"/>
+              <a:rPr lang="zh-CN" altLang="en-US" sz="1400" kern="0" dirty="0">
+                <a:solidFill>
+                  <a:schemeClr val="tx1">
+                    <a:lumMod val="75000"/>
+                    <a:lumOff val="25000"/>
+                  </a:schemeClr>
+                </a:solidFill>
+                <a:latin typeface="思源黑体 CN Normal" panose="020B0400000000000000" pitchFamily="34" charset="-122"/>
+                <a:ea typeface="思源黑体 CN Normal" panose="020B0400000000000000" pitchFamily="34" charset="-122"/>
               </a:rPr>
-              <a:t>用地理坐标</a:t>
+              <a:t>请您单击此处添加合适文字加以说明，可调整文字大小或者颜色等属性。</a:t>
             </a:r>
-            <a:r>
-              <a:rPr lang="en" altLang="zh-CN" sz="1400" dirty="0">
-                <a:latin typeface="+mj-ea"/>
-                <a:ea typeface="+mj-ea"/>
-              </a:rPr>
-              <a:t>APP</a:t>
-            </a:r>
-            <a:r>
-              <a:rPr lang="zh-CN" altLang="en-US" sz="1400" dirty="0">
-                <a:latin typeface="+mj-ea"/>
-                <a:ea typeface="+mj-ea"/>
-              </a:rPr>
-              <a:t>锁定马六甲海峡的战略价值。</a:t>
-            </a:r>
+            <a:endParaRPr lang="zh-CN" altLang="en-US" sz="1400" dirty="0"/>
           </a:p>
         </p:txBody>
       </p:sp>
@@ -5274,7 +5211,7 @@
         <p:spPr>
           <a:xfrm>
             <a:off x="6008033" y="2477216"/>
-            <a:ext cx="4783494" cy="523220"/>
+            <a:ext cx="4783494" cy="738664"/>
           </a:xfrm>
           <a:prstGeom prst="rect">
             <a:avLst/>
@@ -5291,7 +5228,7 @@
                 <a:latin typeface="+mj-ea"/>
                 <a:ea typeface="+mj-ea"/>
               </a:rPr>
-              <a:t>等高线读心术</a:t>
+              <a:t>标题</a:t>
             </a:r>
             <a:r>
               <a:rPr lang="zh-CN" altLang="en-US" sz="1400" dirty="0">
@@ -5307,12 +5244,19 @@
           </a:p>
           <a:p>
             <a:r>
-              <a:rPr lang="zh-CN" altLang="en-US" sz="1400" dirty="0">
-                <a:latin typeface="+mj-ea"/>
-                <a:ea typeface="+mj-ea"/>
+              <a:rPr lang="zh-CN" altLang="en-US" sz="1400" kern="0" dirty="0">
+                <a:solidFill>
+                  <a:schemeClr val="tx1">
+                    <a:lumMod val="75000"/>
+                    <a:lumOff val="25000"/>
+                  </a:schemeClr>
+                </a:solidFill>
+                <a:latin typeface="思源黑体 CN Normal" panose="020B0400000000000000" pitchFamily="34" charset="-122"/>
+                <a:ea typeface="思源黑体 CN Normal" panose="020B0400000000000000" pitchFamily="34" charset="-122"/>
               </a:rPr>
-              <a:t>从等高距判断喜马拉雅山的攀登难度差异。</a:t>
+              <a:t>请您单击此处添加合适文字加以说明，可调整文字大小或者颜色等属性。</a:t>
             </a:r>
+            <a:endParaRPr lang="zh-CN" altLang="en-US" sz="1400" dirty="0"/>
           </a:p>
         </p:txBody>
       </p:sp>
@@ -5331,7 +5275,7 @@
         <p:spPr>
           <a:xfrm>
             <a:off x="6008033" y="3719520"/>
-            <a:ext cx="4783494" cy="523220"/>
+            <a:ext cx="4783494" cy="738664"/>
           </a:xfrm>
           <a:prstGeom prst="rect">
             <a:avLst/>
@@ -5348,7 +5292,7 @@
                 <a:latin typeface="+mj-ea"/>
                 <a:ea typeface="+mj-ea"/>
               </a:rPr>
-              <a:t>气候密码本</a:t>
+              <a:t>标题</a:t>
             </a:r>
             <a:r>
               <a:rPr lang="zh-CN" altLang="en-US" sz="1400" dirty="0">
@@ -5364,12 +5308,19 @@
           </a:p>
           <a:p>
             <a:r>
-              <a:rPr lang="zh-CN" altLang="en-US" sz="1400" dirty="0">
-                <a:latin typeface="+mj-ea"/>
-                <a:ea typeface="+mj-ea"/>
+              <a:rPr lang="zh-CN" altLang="en-US" sz="1400" kern="0" dirty="0">
+                <a:solidFill>
+                  <a:schemeClr val="tx1">
+                    <a:lumMod val="75000"/>
+                    <a:lumOff val="25000"/>
+                  </a:schemeClr>
+                </a:solidFill>
+                <a:latin typeface="思源黑体 CN Normal" panose="020B0400000000000000" pitchFamily="34" charset="-122"/>
+                <a:ea typeface="思源黑体 CN Normal" panose="020B0400000000000000" pitchFamily="34" charset="-122"/>
               </a:rPr>
-              <a:t>用等降水量线解码印度旱灾与洪涝交替的真相。</a:t>
+              <a:t>请您单击此处添加合适文字加以说明，可调整文字大小或者颜色等属性。</a:t>
             </a:r>
+            <a:endParaRPr lang="zh-CN" altLang="en-US" sz="1400" dirty="0"/>
           </a:p>
         </p:txBody>
       </p:sp>
@@ -5401,18 +5352,11 @@
           <a:lstStyle/>
           <a:p>
             <a:r>
-              <a:rPr lang="en" altLang="zh-CN" sz="1400" b="1" dirty="0">
-                <a:latin typeface="+mj-ea"/>
-                <a:ea typeface="+mj-ea"/>
-              </a:rPr>
-              <a:t>GIS</a:t>
-            </a:r>
-            <a:r>
               <a:rPr lang="zh-CN" altLang="en-US" sz="1400" b="1" dirty="0">
                 <a:latin typeface="+mj-ea"/>
                 <a:ea typeface="+mj-ea"/>
               </a:rPr>
-              <a:t>预言术</a:t>
+              <a:t>标题</a:t>
             </a:r>
             <a:r>
               <a:rPr lang="zh-CN" altLang="en-US" sz="1400" dirty="0">
@@ -5428,12 +5372,19 @@
           </a:p>
           <a:p>
             <a:r>
-              <a:rPr lang="zh-CN" altLang="en-US" sz="1400" dirty="0">
-                <a:latin typeface="+mj-ea"/>
-                <a:ea typeface="+mj-ea"/>
+              <a:rPr lang="zh-CN" altLang="en-US" sz="1400" kern="0" dirty="0">
+                <a:solidFill>
+                  <a:schemeClr val="tx1">
+                    <a:lumMod val="75000"/>
+                    <a:lumOff val="25000"/>
+                  </a:schemeClr>
+                </a:solidFill>
+                <a:latin typeface="思源黑体 CN Normal" panose="020B0400000000000000" pitchFamily="34" charset="-122"/>
+                <a:ea typeface="思源黑体 CN Normal" panose="020B0400000000000000" pitchFamily="34" charset="-122"/>
               </a:rPr>
-              <a:t>在腾讯地图上叠加油田分布与地震带，预测中亚资源争夺热点。</a:t>
+              <a:t>请您单击此处添加合适文字加以说明，可调整文字大小或者颜色等属性。</a:t>
             </a:r>
+            <a:endParaRPr lang="zh-CN" altLang="en-US" sz="1400" dirty="0"/>
           </a:p>
         </p:txBody>
       </p:sp>
@@ -5585,7 +5536,7 @@
                 <a:latin typeface="+mj-ea"/>
                 <a:ea typeface="+mj-ea"/>
               </a:rPr>
-              <a:t>人地交互黑科技</a:t>
+              <a:t>标题</a:t>
             </a:r>
             <a:r>
               <a:rPr lang="zh-CN" altLang="en-US" sz="1400" dirty="0">
@@ -5601,12 +5552,19 @@
           </a:p>
           <a:p>
             <a:r>
-              <a:rPr lang="zh-CN" altLang="en-US" sz="1400" dirty="0">
-                <a:latin typeface="+mj-ea"/>
-                <a:ea typeface="+mj-ea"/>
+              <a:rPr lang="zh-CN" altLang="en-US" sz="1400" kern="0" dirty="0">
+                <a:solidFill>
+                  <a:schemeClr val="tx1">
+                    <a:lumMod val="75000"/>
+                    <a:lumOff val="25000"/>
+                  </a:schemeClr>
+                </a:solidFill>
+                <a:latin typeface="思源黑体 CN Normal" panose="020B0400000000000000" pitchFamily="34" charset="-122"/>
+                <a:ea typeface="思源黑体 CN Normal" panose="020B0400000000000000" pitchFamily="34" charset="-122"/>
               </a:rPr>
-              <a:t>用卫星遥感图追踪咸海萎缩的凶手链（棉花田→河流断流→生态崩溃）。</a:t>
+              <a:t>请您单击此处添加合适文字加以说明，可调整文字大小或者颜色等属性。</a:t>
             </a:r>
+            <a:endParaRPr lang="zh-CN" altLang="en-US" sz="1400" dirty="0"/>
           </a:p>
         </p:txBody>
       </p:sp>
@@ -7363,15 +7321,28 @@
               <a:defRPr/>
             </a:pPr>
             <a:r>
-              <a:rPr lang="zh-CN" altLang="en-US" sz="5400" dirty="0">
-                <a:solidFill>
-                  <a:srgbClr val="323232"/>
-                </a:solidFill>
-                <a:latin typeface="思源宋体 CN Heavy" panose="02020900000000000000" charset="-122"/>
-                <a:ea typeface="思源宋体 CN Heavy" panose="02020900000000000000" charset="-122"/>
+              <a:rPr lang="zh-CN" altLang="en-US" sz="5400" kern="0" dirty="0">
+                <a:solidFill>
+                  <a:schemeClr val="tx1">
+                    <a:lumMod val="75000"/>
+                    <a:lumOff val="25000"/>
+                  </a:schemeClr>
+                </a:solidFill>
+                <a:latin typeface="思源黑体 CN Normal" panose="020B0400000000000000" pitchFamily="34" charset="-122"/>
+                <a:ea typeface="思源黑体 CN Normal" panose="020B0400000000000000" pitchFamily="34" charset="-122"/>
               </a:rPr>
-              <a:t>未来价值与意义导学设计</a:t>
+              <a:t>请您单击此处添加</a:t>
             </a:r>
+            <a:endParaRPr lang="zh-CN" altLang="en-US" sz="5400" dirty="0">
+              <a:solidFill>
+                <a:schemeClr val="tx1">
+                  <a:lumMod val="85000"/>
+                  <a:lumOff val="15000"/>
+                </a:schemeClr>
+              </a:solidFill>
+              <a:latin typeface="思源宋体 CN Heavy" panose="02020900000000000000" charset="-122"/>
+              <a:ea typeface="思源宋体 CN Heavy" panose="02020900000000000000" charset="-122"/>
+            </a:endParaRPr>
           </a:p>
         </p:txBody>
       </p:sp>
@@ -7901,7 +7872,7 @@
         <p:spPr>
           <a:xfrm>
             <a:off x="1703352" y="1443775"/>
-            <a:ext cx="8496562" cy="1029193"/>
+            <a:ext cx="8496562" cy="784830"/>
           </a:xfrm>
           <a:prstGeom prst="rect">
             <a:avLst/>
@@ -7946,37 +7917,19 @@
           </a:p>
           <a:p>
             <a:r>
-              <a:rPr lang="zh-CN" altLang="en-US" b="1" dirty="0">
-                <a:latin typeface="+mj-ea"/>
-                <a:ea typeface="+mj-ea"/>
+              <a:rPr lang="zh-CN" altLang="en-US" kern="0" dirty="0">
+                <a:solidFill>
+                  <a:schemeClr val="tx1">
+                    <a:lumMod val="75000"/>
+                    <a:lumOff val="25000"/>
+                  </a:schemeClr>
+                </a:solidFill>
+                <a:latin typeface="思源黑体 CN Normal" panose="020B0400000000000000" pitchFamily="34" charset="-122"/>
+                <a:ea typeface="思源黑体 CN Normal" panose="020B0400000000000000" pitchFamily="34" charset="-122"/>
               </a:rPr>
-              <a:t>设疑问题</a:t>
+              <a:t>请您单击此处添加合适文字加以说明，可调整文字大小或者颜色等属性。</a:t>
             </a:r>
-            <a:r>
-              <a:rPr lang="zh-CN" altLang="en-US" dirty="0">
-                <a:latin typeface="+mj-ea"/>
-                <a:ea typeface="+mj-ea"/>
-              </a:rPr>
-              <a:t>：你设计的防沙林方案，未来能保护敦煌莫高窟壁画不被风蚀吗？</a:t>
-            </a:r>
-          </a:p>
-          <a:p>
-            <a:pPr lvl="0" algn="l">
-              <a:lnSpc>
-                <a:spcPct val="150000"/>
-              </a:lnSpc>
-              <a:defRPr/>
-            </a:pPr>
-            <a:endParaRPr lang="zh-CN" altLang="en-US" sz="1200" kern="0" dirty="0">
-              <a:solidFill>
-                <a:schemeClr val="tx1">
-                  <a:lumMod val="75000"/>
-                  <a:lumOff val="25000"/>
-                </a:schemeClr>
-              </a:solidFill>
-              <a:latin typeface="思源黑体 CN Normal" panose="020B0400000000000000" pitchFamily="34" charset="-122"/>
-              <a:ea typeface="思源黑体 CN Normal" panose="020B0400000000000000" pitchFamily="34" charset="-122"/>
-            </a:endParaRPr>
+            <a:endParaRPr lang="zh-CN" altLang="en-US" dirty="0"/>
           </a:p>
         </p:txBody>
       </p:sp>
@@ -8480,7 +8433,7 @@
         <p:spPr>
           <a:xfrm>
             <a:off x="1703352" y="1443775"/>
-            <a:ext cx="8496562" cy="1306191"/>
+            <a:ext cx="8496562" cy="1029193"/>
           </a:xfrm>
           <a:prstGeom prst="rect">
             <a:avLst/>
@@ -8525,26 +8478,19 @@
           </a:p>
           <a:p>
             <a:r>
-              <a:rPr lang="zh-CN" altLang="en-US" dirty="0">
-                <a:latin typeface="+mj-ea"/>
-                <a:ea typeface="+mj-ea"/>
+              <a:rPr lang="zh-CN" altLang="en-US" kern="0" dirty="0">
+                <a:solidFill>
+                  <a:schemeClr val="tx1">
+                    <a:lumMod val="75000"/>
+                    <a:lumOff val="25000"/>
+                  </a:schemeClr>
+                </a:solidFill>
+                <a:latin typeface="思源黑体 CN Normal" panose="020B0400000000000000" pitchFamily="34" charset="-122"/>
+                <a:ea typeface="思源黑体 CN Normal" panose="020B0400000000000000" pitchFamily="34" charset="-122"/>
               </a:rPr>
-              <a:t>当你知道中亚输油管道的选址关系到中欧班列的运费，日本核污水排海轨迹预测需要洋流模型</a:t>
+              <a:t>请您单击此处添加合适文字加以说明，可调整文字大小或者颜色等属性。</a:t>
             </a:r>
-            <a:r>
-              <a:rPr lang="en-US" altLang="zh-CN" dirty="0">
-                <a:latin typeface="+mj-ea"/>
-                <a:ea typeface="+mj-ea"/>
-              </a:rPr>
-              <a:t>…</a:t>
-            </a:r>
-            <a:r>
-              <a:rPr lang="zh-CN" altLang="en-US" dirty="0">
-                <a:latin typeface="+mj-ea"/>
-                <a:ea typeface="+mj-ea"/>
-              </a:rPr>
-              <a:t>地理技术不是纸上谈兵，而是改写未来的利器！</a:t>
-            </a:r>
+            <a:endParaRPr lang="zh-CN" altLang="en-US" dirty="0"/>
           </a:p>
           <a:p>
             <a:pPr lvl="0" algn="l">
@@ -9815,8 +9761,8 @@
         </p:nvSpPr>
         <p:spPr>
           <a:xfrm>
-            <a:off x="571780" y="3543124"/>
-            <a:ext cx="3488690" cy="521361"/>
+            <a:off x="571780" y="3541552"/>
+            <a:ext cx="3488690" cy="524503"/>
           </a:xfrm>
           <a:prstGeom prst="rect">
             <a:avLst/>
@@ -10013,63 +9959,22 @@
                 <a:ea typeface="思源黑体 CN Medium" panose="020B0600000000000000" pitchFamily="34" charset="-122"/>
                 <a:sym typeface="思源宋体 CN Heavy" panose="02020900000000000000" charset="-122"/>
               </a:rPr>
-              <a:t>校园篇：</a:t>
+              <a:t>添加标题：</a:t>
             </a:r>
             <a:r>
-              <a:rPr lang="zh-CN" altLang="en-US" sz="1200" dirty="0">
-                <a:solidFill>
-                  <a:srgbClr val="323232"/>
-                </a:solidFill>
-                <a:latin typeface="思源黑体 CN Medium" panose="020B0600000000000000" pitchFamily="34" charset="-122"/>
-                <a:ea typeface="思源黑体 CN Medium" panose="020B0600000000000000" pitchFamily="34" charset="-122"/>
-                <a:sym typeface="思源宋体 CN Heavy" panose="02020900000000000000" charset="-122"/>
+              <a:rPr lang="zh-CN" altLang="en-US" sz="1200" kern="0" dirty="0">
+                <a:solidFill>
+                  <a:schemeClr val="tx1">
+                    <a:lumMod val="75000"/>
+                    <a:lumOff val="25000"/>
+                  </a:schemeClr>
+                </a:solidFill>
+                <a:latin typeface="思源黑体 CN Normal" panose="020B0400000000000000" pitchFamily="34" charset="-122"/>
+                <a:ea typeface="思源黑体 CN Normal" panose="020B0400000000000000" pitchFamily="34" charset="-122"/>
               </a:rPr>
-              <a:t>用</a:t>
+              <a:t>请您单击此处添加合适文字加以说明，可调整文字大小或者颜色等属性。</a:t>
             </a:r>
-            <a:r>
-              <a:rPr lang="en" altLang="zh-CN" sz="1200" dirty="0">
-                <a:solidFill>
-                  <a:srgbClr val="323232"/>
-                </a:solidFill>
-                <a:latin typeface="思源黑体 CN Medium" panose="020B0600000000000000" pitchFamily="34" charset="-122"/>
-                <a:ea typeface="思源黑体 CN Medium" panose="020B0600000000000000" pitchFamily="34" charset="-122"/>
-                <a:sym typeface="思源宋体 CN Heavy" panose="02020900000000000000" charset="-122"/>
-              </a:rPr>
-              <a:t>GIS</a:t>
-            </a:r>
-            <a:r>
-              <a:rPr lang="zh-CN" altLang="en-US" sz="1200" dirty="0">
-                <a:solidFill>
-                  <a:srgbClr val="323232"/>
-                </a:solidFill>
-                <a:latin typeface="思源黑体 CN Medium" panose="020B0600000000000000" pitchFamily="34" charset="-122"/>
-                <a:ea typeface="思源黑体 CN Medium" panose="020B0600000000000000" pitchFamily="34" charset="-122"/>
-                <a:sym typeface="思源宋体 CN Heavy" panose="02020900000000000000" charset="-122"/>
-              </a:rPr>
-              <a:t>给学校设计抗台风应急撤离路线，</a:t>
-            </a:r>
-            <a:r>
-              <a:rPr lang="en" altLang="zh-CN" sz="1200" dirty="0">
-                <a:solidFill>
-                  <a:srgbClr val="323232"/>
-                </a:solidFill>
-                <a:latin typeface="思源黑体 CN Medium" panose="020B0600000000000000" pitchFamily="34" charset="-122"/>
-                <a:ea typeface="思源黑体 CN Medium" panose="020B0600000000000000" pitchFamily="34" charset="-122"/>
-                <a:sym typeface="思源宋体 CN Heavy" panose="02020900000000000000" charset="-122"/>
-              </a:rPr>
-              <a:t>C</a:t>
-            </a:r>
-            <a:r>
-              <a:rPr lang="zh-CN" altLang="en-US" sz="1200" dirty="0">
-                <a:solidFill>
-                  <a:srgbClr val="323232"/>
-                </a:solidFill>
-                <a:latin typeface="思源黑体 CN Medium" panose="020B0600000000000000" pitchFamily="34" charset="-122"/>
-                <a:ea typeface="思源黑体 CN Medium" panose="020B0600000000000000" pitchFamily="34" charset="-122"/>
-                <a:sym typeface="思源宋体 CN Heavy" panose="02020900000000000000" charset="-122"/>
-              </a:rPr>
-              <a:t>位出道被校长点赞！</a:t>
-            </a:r>
+            <a:endParaRPr lang="zh-CN" altLang="en-US" sz="1200" dirty="0"/>
           </a:p>
         </p:txBody>
       </p:sp>
@@ -10087,8 +9992,8 @@
         </p:nvSpPr>
         <p:spPr>
           <a:xfrm>
-            <a:off x="7463790" y="5023154"/>
-            <a:ext cx="3488690" cy="521361"/>
+            <a:off x="7484274" y="4851557"/>
+            <a:ext cx="3488690" cy="524503"/>
           </a:xfrm>
           <a:prstGeom prst="rect">
             <a:avLst/>
@@ -10285,7 +10190,7 @@
                 <a:ea typeface="思源黑体 CN Medium" panose="020B0600000000000000" pitchFamily="34" charset="-122"/>
                 <a:sym typeface="思源宋体 CN Heavy" panose="02020900000000000000" charset="-122"/>
               </a:rPr>
-              <a:t>未来篇</a:t>
+              <a:t>添加标题</a:t>
             </a:r>
             <a:r>
               <a:rPr lang="zh-CN" altLang="en-US" sz="1200" dirty="0">
@@ -10296,30 +10201,22 @@
                 <a:ea typeface="思源黑体 CN Medium" panose="020B0600000000000000" pitchFamily="34" charset="-122"/>
                 <a:sym typeface="思源宋体 CN Heavy" panose="02020900000000000000" charset="-122"/>
               </a:rPr>
-              <a:t>：移民火星前，先用你的月球等高线地图帮</a:t>
+              <a:t>：</a:t>
             </a:r>
             <a:r>
-              <a:rPr lang="en" altLang="zh-CN" sz="1200" dirty="0">
-                <a:solidFill>
-                  <a:srgbClr val="323232"/>
-                </a:solidFill>
-                <a:latin typeface="思源黑体 CN Medium" panose="020B0600000000000000" pitchFamily="34" charset="-122"/>
-                <a:ea typeface="思源黑体 CN Medium" panose="020B0600000000000000" pitchFamily="34" charset="-122"/>
-                <a:sym typeface="思源宋体 CN Heavy" panose="02020900000000000000" charset="-122"/>
+              <a:rPr lang="zh-CN" altLang="en-US" sz="1200" kern="0" dirty="0">
+                <a:solidFill>
+                  <a:schemeClr val="tx1">
+                    <a:lumMod val="75000"/>
+                    <a:lumOff val="25000"/>
+                  </a:schemeClr>
+                </a:solidFill>
+                <a:latin typeface="思源黑体 CN Normal" panose="020B0400000000000000" pitchFamily="34" charset="-122"/>
+                <a:ea typeface="思源黑体 CN Normal" panose="020B0400000000000000" pitchFamily="34" charset="-122"/>
               </a:rPr>
-              <a:t>SpaceX</a:t>
+              <a:t>请您单击此处添加合适文字加以说明，可调整文字大小或者颜色等属性。</a:t>
             </a:r>
-            <a:r>
-              <a:rPr lang="zh-CN" altLang="en-US" sz="1200" dirty="0">
-                <a:solidFill>
-                  <a:srgbClr val="323232"/>
-                </a:solidFill>
-                <a:latin typeface="思源黑体 CN Medium" panose="020B0600000000000000" pitchFamily="34" charset="-122"/>
-                <a:ea typeface="思源黑体 CN Medium" panose="020B0600000000000000" pitchFamily="34" charset="-122"/>
-                <a:sym typeface="思源宋体 CN Heavy" panose="02020900000000000000" charset="-122"/>
-              </a:rPr>
-              <a:t>选基地位置！</a:t>
-            </a:r>
+            <a:endParaRPr lang="zh-CN" altLang="en-US" sz="1200" dirty="0"/>
           </a:p>
         </p:txBody>
       </p:sp>
@@ -10337,8 +10234,8 @@
         </p:nvSpPr>
         <p:spPr>
           <a:xfrm>
-            <a:off x="8197215" y="3523919"/>
-            <a:ext cx="3488690" cy="521361"/>
+            <a:off x="8197215" y="3522347"/>
+            <a:ext cx="3488690" cy="524503"/>
           </a:xfrm>
           <a:prstGeom prst="rect">
             <a:avLst/>
@@ -10535,7 +10432,7 @@
                 <a:ea typeface="思源黑体 CN Medium" panose="020B0600000000000000" pitchFamily="34" charset="-122"/>
                 <a:sym typeface="思源宋体 CN Heavy" panose="02020900000000000000" charset="-122"/>
               </a:rPr>
-              <a:t>全球篇</a:t>
+              <a:t>添加标题</a:t>
             </a:r>
             <a:r>
               <a:rPr lang="zh-CN" altLang="en-US" sz="1200" dirty="0">
@@ -10546,8 +10443,22 @@
                 <a:ea typeface="思源黑体 CN Medium" panose="020B0600000000000000" pitchFamily="34" charset="-122"/>
                 <a:sym typeface="思源宋体 CN Heavy" panose="02020900000000000000" charset="-122"/>
               </a:rPr>
-              <a:t>：用气候模型破解北极航道开通密码，改写世界贸易版图！</a:t>
+              <a:t>：</a:t>
             </a:r>
+            <a:r>
+              <a:rPr lang="zh-CN" altLang="en-US" sz="1200" kern="0" dirty="0">
+                <a:solidFill>
+                  <a:schemeClr val="tx1">
+                    <a:lumMod val="75000"/>
+                    <a:lumOff val="25000"/>
+                  </a:schemeClr>
+                </a:solidFill>
+                <a:latin typeface="思源黑体 CN Normal" panose="020B0400000000000000" pitchFamily="34" charset="-122"/>
+                <a:ea typeface="思源黑体 CN Normal" panose="020B0400000000000000" pitchFamily="34" charset="-122"/>
+              </a:rPr>
+              <a:t>请您单击此处添加合适文字加以说明，可调整文字大小或者颜色等属性。</a:t>
+            </a:r>
+            <a:endParaRPr lang="zh-CN" altLang="en-US" sz="1200" dirty="0"/>
           </a:p>
         </p:txBody>
       </p:sp>
@@ -10565,8 +10476,8 @@
         </p:nvSpPr>
         <p:spPr>
           <a:xfrm>
-            <a:off x="1308418" y="2066925"/>
-            <a:ext cx="3488690" cy="521361"/>
+            <a:off x="1308418" y="2065354"/>
+            <a:ext cx="3488690" cy="524503"/>
           </a:xfrm>
           <a:prstGeom prst="rect">
             <a:avLst/>
@@ -10761,7 +10672,7 @@
                 <a:latin typeface="思源黑体 CN Normal" panose="020B0400000000000000" pitchFamily="34" charset="-122"/>
                 <a:ea typeface="思源黑体 CN Normal" panose="020B0400000000000000" pitchFamily="34" charset="-122"/>
               </a:rPr>
-              <a:t>家庭篇</a:t>
+              <a:t>添加标题</a:t>
             </a:r>
             <a:r>
               <a:rPr lang="zh-CN" altLang="en-US" sz="1200" kern="0" dirty="0">
@@ -10771,8 +10682,22 @@
                 <a:latin typeface="思源黑体 CN Normal" panose="020B0400000000000000" pitchFamily="34" charset="-122"/>
                 <a:ea typeface="思源黑体 CN Normal" panose="020B0400000000000000" pitchFamily="34" charset="-122"/>
               </a:rPr>
-              <a:t>：用等高线地图帮爸妈选登山路线，成为家庭旅行首席安全官！</a:t>
+              <a:t>：</a:t>
             </a:r>
+            <a:r>
+              <a:rPr lang="zh-CN" altLang="en-US" sz="1200" kern="0" dirty="0">
+                <a:solidFill>
+                  <a:schemeClr val="tx1">
+                    <a:lumMod val="75000"/>
+                    <a:lumOff val="25000"/>
+                  </a:schemeClr>
+                </a:solidFill>
+                <a:latin typeface="思源黑体 CN Normal" panose="020B0400000000000000" pitchFamily="34" charset="-122"/>
+                <a:ea typeface="思源黑体 CN Normal" panose="020B0400000000000000" pitchFamily="34" charset="-122"/>
+              </a:rPr>
+              <a:t>请您单击此处添加合适文字加以说明，可调整文字大小或者颜色等属性。</a:t>
+            </a:r>
+            <a:endParaRPr lang="zh-CN" altLang="en-US" sz="1200" dirty="0"/>
           </a:p>
         </p:txBody>
       </p:sp>
@@ -10790,8 +10715,8 @@
         </p:nvSpPr>
         <p:spPr>
           <a:xfrm>
-            <a:off x="7596045" y="2066925"/>
-            <a:ext cx="3488690" cy="521361"/>
+            <a:off x="7596045" y="2065353"/>
+            <a:ext cx="3488690" cy="524503"/>
           </a:xfrm>
           <a:prstGeom prst="rect">
             <a:avLst/>
@@ -10988,7 +10913,7 @@
                 <a:ea typeface="思源黑体 CN Medium" panose="020B0600000000000000" pitchFamily="34" charset="-122"/>
                 <a:sym typeface="思源宋体 CN Heavy" panose="02020900000000000000" charset="-122"/>
               </a:rPr>
-              <a:t>国家篇</a:t>
+              <a:t>添加标题</a:t>
             </a:r>
             <a:r>
               <a:rPr lang="zh-CN" altLang="en-US" sz="1200" dirty="0">
@@ -10999,8 +10924,22 @@
                 <a:ea typeface="思源黑体 CN Medium" panose="020B0600000000000000" pitchFamily="34" charset="-122"/>
                 <a:sym typeface="思源宋体 CN Heavy" panose="02020900000000000000" charset="-122"/>
               </a:rPr>
-              <a:t>：为川藏铁路绘制地质雷达图谱，避免隧道塌方成全国英雄！</a:t>
+              <a:t>：</a:t>
             </a:r>
+            <a:r>
+              <a:rPr lang="zh-CN" altLang="en-US" sz="1200" kern="0" dirty="0">
+                <a:solidFill>
+                  <a:schemeClr val="tx1">
+                    <a:lumMod val="75000"/>
+                    <a:lumOff val="25000"/>
+                  </a:schemeClr>
+                </a:solidFill>
+                <a:latin typeface="思源黑体 CN Normal" panose="020B0400000000000000" pitchFamily="34" charset="-122"/>
+                <a:ea typeface="思源黑体 CN Normal" panose="020B0400000000000000" pitchFamily="34" charset="-122"/>
+              </a:rPr>
+              <a:t>请您单击此处添加合适文字加以说明，可调整文字大小或者颜色等属性。</a:t>
+            </a:r>
+            <a:endParaRPr lang="zh-CN" altLang="en-US" sz="1200" dirty="0"/>
           </a:p>
         </p:txBody>
       </p:sp>
@@ -11018,8 +10957,8 @@
         </p:nvSpPr>
         <p:spPr>
           <a:xfrm>
-            <a:off x="1237910" y="4853129"/>
-            <a:ext cx="3488690" cy="521361"/>
+            <a:off x="1237910" y="4851558"/>
+            <a:ext cx="3488690" cy="524503"/>
           </a:xfrm>
           <a:prstGeom prst="rect">
             <a:avLst/>
@@ -11217,7 +11156,7 @@
                 <a:latin typeface="思源黑体 CN Normal" panose="020B0400000000000000" pitchFamily="34" charset="-122"/>
                 <a:ea typeface="思源黑体 CN Normal" panose="020B0400000000000000" pitchFamily="34" charset="-122"/>
               </a:rPr>
-              <a:t>省市篇</a:t>
+              <a:t>添加标题</a:t>
             </a:r>
             <a:r>
               <a:rPr lang="zh-CN" altLang="en-US" sz="1200" kern="0" dirty="0">
@@ -11230,34 +11169,9 @@
                 <a:latin typeface="思源黑体 CN Normal" panose="020B0400000000000000" pitchFamily="34" charset="-122"/>
                 <a:ea typeface="思源黑体 CN Normal" panose="020B0400000000000000" pitchFamily="34" charset="-122"/>
               </a:rPr>
-              <a:t>：参与浙江“数字孪生流域”项目，用</a:t>
+              <a:t>：请您单击此处添加合适文字加以说明，可调整文字大小或者颜色等属性。</a:t>
             </a:r>
-            <a:r>
-              <a:rPr lang="en" altLang="zh-CN" sz="1200" kern="0" dirty="0">
-                <a:solidFill>
-                  <a:schemeClr val="tx1">
-                    <a:lumMod val="75000"/>
-                    <a:lumOff val="25000"/>
-                  </a:schemeClr>
-                </a:solidFill>
-                <a:latin typeface="思源黑体 CN Normal" panose="020B0400000000000000" pitchFamily="34" charset="-122"/>
-                <a:ea typeface="思源黑体 CN Normal" panose="020B0400000000000000" pitchFamily="34" charset="-122"/>
-              </a:rPr>
-              <a:t>VR</a:t>
-            </a:r>
-            <a:r>
-              <a:rPr lang="zh-CN" altLang="en-US" sz="1200" kern="0" dirty="0">
-                <a:solidFill>
-                  <a:schemeClr val="tx1">
-                    <a:lumMod val="75000"/>
-                    <a:lumOff val="25000"/>
-                  </a:schemeClr>
-                </a:solidFill>
-                <a:latin typeface="思源黑体 CN Normal" panose="020B0400000000000000" pitchFamily="34" charset="-122"/>
-                <a:ea typeface="思源黑体 CN Normal" panose="020B0400000000000000" pitchFamily="34" charset="-122"/>
-              </a:rPr>
-              <a:t>防洪系统拯救钱塘江村落。</a:t>
-            </a:r>
+            <a:endParaRPr lang="zh-CN" altLang="en-US" sz="1200" dirty="0"/>
           </a:p>
         </p:txBody>
       </p:sp>
@@ -12668,19 +12582,32 @@
           </a:bodyPr>
           <a:lstStyle/>
           <a:p>
-            <a:pPr algn="dist">
+            <a:pPr algn="ctr">
               <a:defRPr/>
             </a:pPr>
             <a:r>
-              <a:rPr lang="zh-CN" altLang="en-US" sz="4800" dirty="0">
-                <a:solidFill>
-                  <a:srgbClr val="323232"/>
-                </a:solidFill>
-                <a:latin typeface="思源宋体 CN Heavy" panose="02020900000000000000" charset="-122"/>
-                <a:ea typeface="思源宋体 CN Heavy" panose="02020900000000000000" charset="-122"/>
+              <a:rPr lang="zh-CN" altLang="en-US" sz="4800" kern="0" dirty="0">
+                <a:solidFill>
+                  <a:schemeClr val="tx1">
+                    <a:lumMod val="75000"/>
+                    <a:lumOff val="25000"/>
+                  </a:schemeClr>
+                </a:solidFill>
+                <a:latin typeface="思源黑体 CN Normal" panose="020B0400000000000000" pitchFamily="34" charset="-122"/>
+                <a:ea typeface="思源黑体 CN Normal" panose="020B0400000000000000" pitchFamily="34" charset="-122"/>
               </a:rPr>
-              <a:t>重要人物与案例导学设计</a:t>
+              <a:t>请您单击此处添加</a:t>
             </a:r>
+            <a:endParaRPr lang="zh-CN" altLang="en-US" sz="4800" dirty="0">
+              <a:solidFill>
+                <a:schemeClr val="tx1">
+                  <a:lumMod val="85000"/>
+                  <a:lumOff val="15000"/>
+                </a:schemeClr>
+              </a:solidFill>
+              <a:latin typeface="思源宋体 CN Heavy" panose="02020900000000000000" charset="-122"/>
+              <a:ea typeface="思源宋体 CN Heavy" panose="02020900000000000000" charset="-122"/>
+            </a:endParaRPr>
           </a:p>
         </p:txBody>
       </p:sp>
@@ -13263,7 +13190,7 @@
         <p:spPr>
           <a:xfrm>
             <a:off x="1703352" y="1443775"/>
-            <a:ext cx="8496562" cy="1061829"/>
+            <a:ext cx="8496562" cy="784830"/>
           </a:xfrm>
           <a:prstGeom prst="rect">
             <a:avLst/>
@@ -13308,20 +13235,19 @@
           </a:p>
           <a:p>
             <a:r>
-              <a:rPr lang="zh-CN" altLang="en-US" b="1" dirty="0"/>
-              <a:t>设疑问题</a:t>
+              <a:rPr lang="zh-CN" altLang="en-US" kern="0" dirty="0">
+                <a:solidFill>
+                  <a:schemeClr val="tx1">
+                    <a:lumMod val="75000"/>
+                    <a:lumOff val="25000"/>
+                  </a:schemeClr>
+                </a:solidFill>
+                <a:latin typeface="思源黑体 CN Normal" panose="020B0400000000000000" pitchFamily="34" charset="-122"/>
+                <a:ea typeface="思源黑体 CN Normal" panose="020B0400000000000000" pitchFamily="34" charset="-122"/>
+              </a:rPr>
+              <a:t>请您单击此处添加合适文字加以说明，可调整文字大小或者颜色等属性。</a:t>
             </a:r>
-            <a:r>
-              <a:rPr lang="zh-CN" altLang="en-US" dirty="0"/>
-              <a:t>：</a:t>
-            </a:r>
-            <a:r>
-              <a:rPr lang="zh-CN" altLang="en-US" dirty="0">
-                <a:latin typeface="+mj-ea"/>
-                <a:ea typeface="+mj-ea"/>
-              </a:rPr>
-              <a:t>青藏铁路冻土区为什么能架起“天路”？日本关东大地震的防灾系统隐藏着多少黑科技？</a:t>
-            </a:r>
+            <a:endParaRPr lang="zh-CN" altLang="en-US" dirty="0"/>
           </a:p>
         </p:txBody>
       </p:sp>
@@ -13939,7 +13865,7 @@
         <p:spPr>
           <a:xfrm>
             <a:off x="819150" y="1087244"/>
-            <a:ext cx="10752364" cy="1061829"/>
+            <a:ext cx="10752364" cy="784830"/>
           </a:xfrm>
           <a:prstGeom prst="rect">
             <a:avLst/>
@@ -13984,41 +13910,19 @@
           </a:p>
           <a:p>
             <a:r>
-              <a:rPr lang="en-US" altLang="zh-CN" dirty="0"/>
-              <a:t>2015</a:t>
+              <a:rPr lang="zh-CN" altLang="en-US" kern="0" dirty="0">
+                <a:solidFill>
+                  <a:schemeClr val="tx1">
+                    <a:lumMod val="75000"/>
+                    <a:lumOff val="25000"/>
+                  </a:schemeClr>
+                </a:solidFill>
+                <a:latin typeface="思源黑体 CN Normal" panose="020B0400000000000000" pitchFamily="34" charset="-122"/>
+                <a:ea typeface="思源黑体 CN Normal" panose="020B0400000000000000" pitchFamily="34" charset="-122"/>
+              </a:rPr>
+              <a:t>请您单击此处添加合适文字加以说明，可调整文字大小或者颜色等属性。</a:t>
             </a:r>
-            <a:r>
-              <a:rPr lang="zh-CN" altLang="en-US" dirty="0"/>
-              <a:t>年尼泊尔地震时，中国科学家用无人机测绘</a:t>
-            </a:r>
-            <a:r>
-              <a:rPr lang="en-US" altLang="zh-CN" dirty="0"/>
-              <a:t>5</a:t>
-            </a:r>
-            <a:r>
-              <a:rPr lang="zh-CN" altLang="en-US" dirty="0"/>
-              <a:t>小时生成加德满都废墟</a:t>
-            </a:r>
-            <a:r>
-              <a:rPr lang="en-US" altLang="zh-CN" dirty="0"/>
-              <a:t>3</a:t>
-            </a:r>
-            <a:r>
-              <a:rPr lang="en" altLang="zh-CN" dirty="0"/>
-              <a:t>D</a:t>
-            </a:r>
-            <a:r>
-              <a:rPr lang="zh-CN" altLang="en-US" dirty="0"/>
-              <a:t>模型！当传统测绘还在爬山时，地理信息技术已让救援效率提升</a:t>
-            </a:r>
-            <a:r>
-              <a:rPr lang="en-US" altLang="zh-CN" dirty="0"/>
-              <a:t>300%</a:t>
-            </a:r>
-            <a:r>
-              <a:rPr lang="zh-CN" altLang="en-US" dirty="0"/>
-              <a:t>。</a:t>
-            </a:r>
+            <a:endParaRPr lang="zh-CN" altLang="en-US" dirty="0"/>
           </a:p>
         </p:txBody>
       </p:sp>
@@ -14122,7 +14026,7 @@
         <p:spPr>
           <a:xfrm>
             <a:off x="990600" y="2837521"/>
-            <a:ext cx="3469821" cy="3275961"/>
+            <a:ext cx="3469821" cy="3214406"/>
           </a:xfrm>
           <a:prstGeom prst="rect">
             <a:avLst/>
@@ -14171,19 +14075,22 @@
               <a:buChar char="•"/>
             </a:pPr>
             <a:r>
-              <a:rPr lang="zh-CN" altLang="en-US" sz="1600" b="1" dirty="0">
-                <a:latin typeface="+mj-ea"/>
-                <a:ea typeface="+mj-ea"/>
+              <a:rPr lang="zh-CN" altLang="en-US" sz="1600" kern="0" dirty="0">
+                <a:solidFill>
+                  <a:schemeClr val="tx1">
+                    <a:lumMod val="75000"/>
+                    <a:lumOff val="25000"/>
+                  </a:schemeClr>
+                </a:solidFill>
+                <a:latin typeface="思源黑体 CN Normal" panose="020B0400000000000000" pitchFamily="34" charset="-122"/>
+                <a:ea typeface="思源黑体 CN Normal" panose="020B0400000000000000" pitchFamily="34" charset="-122"/>
               </a:rPr>
-              <a:t>青藏铁路</a:t>
+              <a:t>请您单击此处添加合适文字加以说明，可调整文字大小或者颜色等属性。</a:t>
             </a:r>
-            <a:r>
-              <a:rPr lang="zh-CN" altLang="en-US" sz="1600" dirty="0">
-                <a:latin typeface="+mj-ea"/>
-                <a:ea typeface="+mj-ea"/>
-              </a:rPr>
-              <a:t>：工程师用热棒技术冻结冻土层，成为世界铁路建筑奇迹！</a:t>
-            </a:r>
+            <a:endParaRPr lang="en-US" altLang="zh-CN" sz="1600" dirty="0">
+              <a:latin typeface="+mj-ea"/>
+              <a:ea typeface="+mj-ea"/>
+            </a:endParaRPr>
           </a:p>
           <a:p>
             <a:pPr marL="285750" indent="-285750">
@@ -14191,37 +14098,19 @@
               <a:buChar char="•"/>
             </a:pPr>
             <a:r>
-              <a:rPr lang="zh-CN" altLang="en-US" sz="1600" b="1" dirty="0">
-                <a:latin typeface="+mj-ea"/>
-                <a:ea typeface="+mj-ea"/>
+              <a:rPr lang="zh-CN" altLang="en-US" sz="1600" kern="0" dirty="0">
+                <a:solidFill>
+                  <a:schemeClr val="tx1">
+                    <a:lumMod val="75000"/>
+                    <a:lumOff val="25000"/>
+                  </a:schemeClr>
+                </a:solidFill>
+                <a:latin typeface="思源黑体 CN Normal" panose="020B0400000000000000" pitchFamily="34" charset="-122"/>
+                <a:ea typeface="思源黑体 CN Normal" panose="020B0400000000000000" pitchFamily="34" charset="-122"/>
               </a:rPr>
-              <a:t>日本海啸预警</a:t>
+              <a:t>请您单击此处添加合适文字加以说明，可调整文字大小或者颜色等属性。</a:t>
             </a:r>
-            <a:r>
-              <a:rPr lang="zh-CN" altLang="en-US" sz="1600" dirty="0">
-                <a:latin typeface="+mj-ea"/>
-                <a:ea typeface="+mj-ea"/>
-              </a:rPr>
-              <a:t>：通过海底地震仪网络，让仙台居民提前</a:t>
-            </a:r>
-            <a:r>
-              <a:rPr lang="en-US" altLang="zh-CN" sz="1600" dirty="0">
-                <a:latin typeface="+mj-ea"/>
-                <a:ea typeface="+mj-ea"/>
-              </a:rPr>
-              <a:t>20</a:t>
-            </a:r>
-            <a:r>
-              <a:rPr lang="zh-CN" altLang="en-US" sz="1600" dirty="0">
-                <a:latin typeface="+mj-ea"/>
-                <a:ea typeface="+mj-ea"/>
-              </a:rPr>
-              <a:t>分钟逃生！</a:t>
-            </a:r>
-            <a:endParaRPr lang="en-US" altLang="zh-CN" sz="1600" dirty="0">
-              <a:latin typeface="+mj-ea"/>
-              <a:ea typeface="+mj-ea"/>
-            </a:endParaRPr>
+            <a:endParaRPr lang="zh-CN" altLang="en-US" sz="1600" dirty="0"/>
           </a:p>
           <a:p>
             <a:pPr marL="285750" indent="-285750">
@@ -14246,10 +14135,21 @@
                 <a:latin typeface="+mj-ea"/>
                 <a:ea typeface="+mj-ea"/>
               </a:rPr>
-              <a:t>：如果让你升级南亚海啸预警系统，会加入哪些地理黑科技？</a:t>
+              <a:t>：</a:t>
             </a:r>
-          </a:p>
-          <a:p>
+            <a:r>
+              <a:rPr lang="zh-CN" altLang="en-US" sz="1600" kern="0" dirty="0">
+                <a:solidFill>
+                  <a:schemeClr val="tx1">
+                    <a:lumMod val="75000"/>
+                    <a:lumOff val="25000"/>
+                  </a:schemeClr>
+                </a:solidFill>
+                <a:latin typeface="思源黑体 CN Normal" panose="020B0400000000000000" pitchFamily="34" charset="-122"/>
+                <a:ea typeface="思源黑体 CN Normal" panose="020B0400000000000000" pitchFamily="34" charset="-122"/>
+              </a:rPr>
+              <a:t>请您单击此处添加合适文字加以说明，可调整文字大小或者颜色等属性。</a:t>
+            </a:r>
             <a:endParaRPr lang="zh-CN" altLang="en-US" sz="1600" dirty="0">
               <a:latin typeface="+mj-ea"/>
               <a:ea typeface="+mj-ea"/>
@@ -14290,7 +14190,7 @@
         <p:spPr>
           <a:xfrm>
             <a:off x="6664869" y="2837521"/>
-            <a:ext cx="3469821" cy="3214406"/>
+            <a:ext cx="3469821" cy="3216265"/>
           </a:xfrm>
           <a:prstGeom prst="rect">
             <a:avLst/>
@@ -14339,33 +14239,22 @@
               <a:buChar char="•"/>
             </a:pPr>
             <a:r>
-              <a:rPr lang="zh-CN" altLang="en-US" sz="1600" b="1" dirty="0">
-                <a:latin typeface="+mj-ea"/>
-                <a:ea typeface="+mj-ea"/>
+              <a:rPr lang="zh-CN" altLang="en-US" sz="1600" kern="0" dirty="0">
+                <a:solidFill>
+                  <a:schemeClr val="tx1">
+                    <a:lumMod val="75000"/>
+                    <a:lumOff val="25000"/>
+                  </a:schemeClr>
+                </a:solidFill>
+                <a:latin typeface="思源黑体 CN Normal" panose="020B0400000000000000" pitchFamily="34" charset="-122"/>
+                <a:ea typeface="思源黑体 CN Normal" panose="020B0400000000000000" pitchFamily="34" charset="-122"/>
               </a:rPr>
-              <a:t>咸海消失事件</a:t>
+              <a:t>请您单击此处添加合适文字加以说明，可调整文字大小或者颜色等属性。</a:t>
             </a:r>
-            <a:r>
-              <a:rPr lang="zh-CN" altLang="en-US" sz="1600" dirty="0">
-                <a:latin typeface="+mj-ea"/>
-                <a:ea typeface="+mj-ea"/>
-              </a:rPr>
-              <a:t>：苏联盲目引水种棉，卫星显示咸海面积缩小</a:t>
-            </a:r>
-            <a:r>
-              <a:rPr lang="en-US" altLang="zh-CN" sz="1600" dirty="0">
-                <a:latin typeface="+mj-ea"/>
-                <a:ea typeface="+mj-ea"/>
-              </a:rPr>
-              <a:t>90%</a:t>
-            </a:r>
-            <a:r>
-              <a:rPr lang="zh-CN" altLang="en-US" sz="1600" dirty="0">
-                <a:latin typeface="+mj-ea"/>
-                <a:ea typeface="+mj-ea"/>
-              </a:rPr>
-              <a:t>！</a:t>
-            </a:r>
+            <a:endParaRPr lang="en-US" altLang="zh-CN" sz="1600" dirty="0">
+              <a:latin typeface="+mj-ea"/>
+              <a:ea typeface="+mj-ea"/>
+            </a:endParaRPr>
           </a:p>
           <a:p>
             <a:pPr marL="285750" indent="-285750">
@@ -14373,23 +14262,19 @@
               <a:buChar char="•"/>
             </a:pPr>
             <a:r>
-              <a:rPr lang="zh-CN" altLang="en-US" sz="1600" b="1" dirty="0">
-                <a:latin typeface="+mj-ea"/>
-                <a:ea typeface="+mj-ea"/>
+              <a:rPr lang="zh-CN" altLang="en-US" sz="1600" kern="0" dirty="0">
+                <a:solidFill>
+                  <a:schemeClr val="tx1">
+                    <a:lumMod val="75000"/>
+                    <a:lumOff val="25000"/>
+                  </a:schemeClr>
+                </a:solidFill>
+                <a:latin typeface="思源黑体 CN Normal" panose="020B0400000000000000" pitchFamily="34" charset="-122"/>
+                <a:ea typeface="思源黑体 CN Normal" panose="020B0400000000000000" pitchFamily="34" charset="-122"/>
               </a:rPr>
-              <a:t>湄公河大坝争议</a:t>
+              <a:t>请您单击此处添加合适文字加以说明，可调整文字大小或者颜色等属性。</a:t>
             </a:r>
-            <a:r>
-              <a:rPr lang="zh-CN" altLang="en-US" sz="1600" dirty="0">
-                <a:latin typeface="+mj-ea"/>
-                <a:ea typeface="+mj-ea"/>
-              </a:rPr>
-              <a:t>：未考虑鱼类洄游路线，东南亚四国渔民集体抗议。</a:t>
-            </a:r>
-            <a:endParaRPr lang="en-US" altLang="zh-CN" sz="1600" dirty="0">
-              <a:latin typeface="+mj-ea"/>
-              <a:ea typeface="+mj-ea"/>
-            </a:endParaRPr>
+            <a:endParaRPr lang="zh-CN" altLang="en-US" sz="1600" dirty="0"/>
           </a:p>
           <a:p>
             <a:pPr marL="285750" indent="-285750">
@@ -14416,40 +14301,19 @@
               <a:t>总结：</a:t>
             </a:r>
             <a:r>
-              <a:rPr lang="zh-CN" altLang="en-US" sz="1600" dirty="0">
-                <a:latin typeface="+mj-ea"/>
-                <a:ea typeface="+mj-ea"/>
+              <a:rPr lang="zh-CN" altLang="en-US" sz="1600" kern="0" dirty="0">
+                <a:solidFill>
+                  <a:schemeClr val="tx1">
+                    <a:lumMod val="75000"/>
+                    <a:lumOff val="25000"/>
+                  </a:schemeClr>
+                </a:solidFill>
+                <a:latin typeface="思源黑体 CN Normal" panose="020B0400000000000000" pitchFamily="34" charset="-122"/>
+                <a:ea typeface="思源黑体 CN Normal" panose="020B0400000000000000" pitchFamily="34" charset="-122"/>
               </a:rPr>
-              <a:t>你若成为湄公河开发顾问，如何在谷歌地球画出生态与经济双赢线？</a:t>
+              <a:t>请您单击此处添加合适文字加以说明，可调整文字大小或者颜色等属性。</a:t>
             </a:r>
-          </a:p>
-          <a:p>
-            <a:pPr marL="285750" indent="-285750">
-              <a:buFont typeface="Arial" panose="020B0604020202020204" pitchFamily="34" charset="0"/>
-              <a:buChar char="•"/>
-            </a:pPr>
-            <a:endParaRPr lang="zh-CN" altLang="en-US" sz="1600" dirty="0">
-              <a:latin typeface="+mj-ea"/>
-              <a:ea typeface="+mj-ea"/>
-            </a:endParaRPr>
-          </a:p>
-          <a:p>
-            <a:pPr lvl="0" algn="l">
-              <a:lnSpc>
-                <a:spcPct val="150000"/>
-              </a:lnSpc>
-              <a:defRPr/>
-            </a:pPr>
-            <a:endParaRPr lang="zh-CN" altLang="en-US" sz="1200" kern="0" dirty="0">
-              <a:solidFill>
-                <a:schemeClr val="tx1">
-                  <a:lumMod val="75000"/>
-                  <a:lumOff val="25000"/>
-                </a:schemeClr>
-              </a:solidFill>
-              <a:latin typeface="+mj-ea"/>
-              <a:ea typeface="+mj-ea"/>
-            </a:endParaRPr>
+            <a:endParaRPr lang="zh-CN" altLang="en-US" sz="1600" dirty="0"/>
           </a:p>
         </p:txBody>
       </p:sp>
@@ -18192,15 +18056,28 @@
               <a:defRPr/>
             </a:pPr>
             <a:r>
-              <a:rPr lang="zh-CN" altLang="en-US" sz="5400" dirty="0">
-                <a:solidFill>
-                  <a:srgbClr val="323232"/>
-                </a:solidFill>
-                <a:latin typeface="思源宋体 CN Heavy" panose="02020900000000000000" charset="-122"/>
-                <a:ea typeface="思源宋体 CN Heavy" panose="02020900000000000000" charset="-122"/>
+              <a:rPr lang="zh-CN" altLang="en-US" sz="5400" kern="0" dirty="0">
+                <a:solidFill>
+                  <a:schemeClr val="tx1">
+                    <a:lumMod val="75000"/>
+                    <a:lumOff val="25000"/>
+                  </a:schemeClr>
+                </a:solidFill>
+                <a:latin typeface="思源黑体 CN Normal" panose="020B0400000000000000" pitchFamily="34" charset="-122"/>
+                <a:ea typeface="思源黑体 CN Normal" panose="020B0400000000000000" pitchFamily="34" charset="-122"/>
               </a:rPr>
-              <a:t>过程与方法导学设计</a:t>
+              <a:t>请您单击此处添加</a:t>
             </a:r>
+            <a:endParaRPr lang="zh-CN" altLang="en-US" sz="5400" dirty="0">
+              <a:solidFill>
+                <a:schemeClr val="tx1">
+                  <a:lumMod val="85000"/>
+                  <a:lumOff val="15000"/>
+                </a:schemeClr>
+              </a:solidFill>
+              <a:latin typeface="思源宋体 CN Heavy" panose="02020900000000000000" charset="-122"/>
+              <a:ea typeface="思源宋体 CN Heavy" panose="02020900000000000000" charset="-122"/>
+            </a:endParaRPr>
           </a:p>
         </p:txBody>
       </p:sp>
@@ -18817,7 +18694,7 @@
         <p:spPr>
           <a:xfrm>
             <a:off x="1703352" y="1443775"/>
-            <a:ext cx="8496562" cy="1306191"/>
+            <a:ext cx="8496562" cy="1029193"/>
           </a:xfrm>
           <a:prstGeom prst="rect">
             <a:avLst/>
@@ -18862,17 +18739,19 @@
           </a:p>
           <a:p>
             <a:r>
-              <a:rPr lang="zh-CN" altLang="en-US" dirty="0"/>
-              <a:t>今天你就是亚洲地理实验室的“</a:t>
+              <a:rPr lang="zh-CN" altLang="en-US" kern="0" dirty="0">
+                <a:solidFill>
+                  <a:schemeClr val="tx1">
+                    <a:lumMod val="75000"/>
+                    <a:lumOff val="25000"/>
+                  </a:schemeClr>
+                </a:solidFill>
+                <a:latin typeface="思源黑体 CN Normal" panose="020B0400000000000000" pitchFamily="34" charset="-122"/>
+                <a:ea typeface="思源黑体 CN Normal" panose="020B0400000000000000" pitchFamily="34" charset="-122"/>
+              </a:rPr>
+              <a:t>请您单击此处添加合适文字加以说明，可调整文字大小或者颜色等属性。</a:t>
             </a:r>
-            <a:r>
-              <a:rPr lang="en-US" altLang="zh-CN" dirty="0"/>
-              <a:t>00</a:t>
-            </a:r>
-            <a:r>
-              <a:rPr lang="zh-CN" altLang="en-US" dirty="0"/>
-              <a:t>后主理人”！跟着这七步黑科技通关攻略，让地理思维从青铜升王者！</a:t>
-            </a:r>
+            <a:endParaRPr lang="zh-CN" altLang="en-US" dirty="0"/>
           </a:p>
           <a:p>
             <a:pPr lvl="0" algn="l">
@@ -19261,26 +19140,29 @@
               <a:buAutoNum type="arabicPeriod"/>
             </a:pPr>
             <a:r>
-              <a:rPr lang="zh-CN" altLang="en-US" dirty="0">
-                <a:latin typeface="+mj-ea"/>
-                <a:ea typeface="+mj-ea"/>
+              <a:rPr lang="zh-CN" altLang="en-US" kern="0" dirty="0">
+                <a:solidFill>
+                  <a:schemeClr val="tx1">
+                    <a:lumMod val="75000"/>
+                    <a:lumOff val="25000"/>
+                  </a:schemeClr>
+                </a:solidFill>
+                <a:latin typeface="思源黑体 CN Normal" panose="020B0400000000000000" pitchFamily="34" charset="-122"/>
+                <a:ea typeface="思源黑体 CN Normal" panose="020B0400000000000000" pitchFamily="34" charset="-122"/>
               </a:rPr>
-              <a:t>场景定位：用地图</a:t>
-            </a:r>
-            <a:r>
-              <a:rPr lang="en" altLang="zh-CN" dirty="0">
-                <a:latin typeface="+mj-ea"/>
-                <a:ea typeface="+mj-ea"/>
-              </a:rPr>
-              <a:t>APP</a:t>
+              <a:t>请您单击此处添加合适文字加以说明，可调整文字大小或者颜色等属性</a:t>
             </a:r>
             <a:r>
               <a:rPr lang="zh-CN" altLang="en-US" dirty="0">
                 <a:latin typeface="+mj-ea"/>
                 <a:ea typeface="+mj-ea"/>
               </a:rPr>
-              <a:t>标出东南亚台风高发区→调用微信位置共享。</a:t>
+              <a:t>。</a:t>
             </a:r>
+            <a:endParaRPr lang="en-US" altLang="zh-CN" dirty="0">
+              <a:latin typeface="+mj-ea"/>
+              <a:ea typeface="+mj-ea"/>
+            </a:endParaRPr>
           </a:p>
           <a:p>
             <a:pPr marL="342900" indent="-342900">
@@ -19288,26 +19170,19 @@
               <a:buAutoNum type="arabicPeriod"/>
             </a:pPr>
             <a:r>
-              <a:rPr lang="zh-CN" altLang="en-US" dirty="0">
-                <a:latin typeface="+mj-ea"/>
-                <a:ea typeface="+mj-ea"/>
+              <a:rPr lang="zh-CN" altLang="en-US" kern="0" dirty="0">
+                <a:solidFill>
+                  <a:schemeClr val="tx1">
+                    <a:lumMod val="75000"/>
+                    <a:lumOff val="25000"/>
+                  </a:schemeClr>
+                </a:solidFill>
+                <a:latin typeface="思源黑体 CN Normal" panose="020B0400000000000000" pitchFamily="34" charset="-122"/>
+                <a:ea typeface="思源黑体 CN Normal" panose="020B0400000000000000" pitchFamily="34" charset="-122"/>
               </a:rPr>
-              <a:t>经验破壁：对比你校暴雨内涝和曼谷水灾差异→发抖音话题</a:t>
+              <a:t>请您单击此处添加合适文字加以说明，可调整文字大小或者颜色等属性。</a:t>
             </a:r>
-            <a:r>
-              <a:rPr lang="en-US" altLang="zh-CN" dirty="0">
-                <a:latin typeface="+mj-ea"/>
-                <a:ea typeface="+mj-ea"/>
-              </a:rPr>
-              <a:t>#</a:t>
-            </a:r>
-            <a:r>
-              <a:rPr lang="zh-CN" altLang="en-US" dirty="0">
-                <a:latin typeface="+mj-ea"/>
-                <a:ea typeface="+mj-ea"/>
-              </a:rPr>
-              <a:t>我的抗洪日记。</a:t>
-            </a:r>
+            <a:endParaRPr lang="en-US" altLang="zh-CN" dirty="0"/>
           </a:p>
           <a:p>
             <a:pPr marL="342900" indent="-342900">
@@ -19315,26 +19190,19 @@
               <a:buAutoNum type="arabicPeriod"/>
             </a:pPr>
             <a:r>
-              <a:rPr lang="zh-CN" altLang="en-US" dirty="0">
-                <a:latin typeface="+mj-ea"/>
-                <a:ea typeface="+mj-ea"/>
+              <a:rPr lang="zh-CN" altLang="en-US" kern="0" dirty="0">
+                <a:solidFill>
+                  <a:schemeClr val="tx1">
+                    <a:lumMod val="75000"/>
+                    <a:lumOff val="25000"/>
+                  </a:schemeClr>
+                </a:solidFill>
+                <a:latin typeface="思源黑体 CN Normal" panose="020B0400000000000000" pitchFamily="34" charset="-122"/>
+                <a:ea typeface="思源黑体 CN Normal" panose="020B0400000000000000" pitchFamily="34" charset="-122"/>
               </a:rPr>
-              <a:t>教材解密：用课本季风图反向推演郑州暴雨成因→在</a:t>
+              <a:t>请您单击此处添加合适文字加以说明，可调整文字大小或者颜色等属性。</a:t>
             </a:r>
-            <a:r>
-              <a:rPr lang="en" altLang="zh-CN" dirty="0">
-                <a:latin typeface="+mj-ea"/>
-                <a:ea typeface="+mj-ea"/>
-              </a:rPr>
-              <a:t>B</a:t>
-            </a:r>
-            <a:r>
-              <a:rPr lang="zh-CN" altLang="en-US" dirty="0">
-                <a:latin typeface="+mj-ea"/>
-                <a:ea typeface="+mj-ea"/>
-              </a:rPr>
-              <a:t>站开直播解题。</a:t>
-            </a:r>
+            <a:endParaRPr lang="zh-CN" altLang="en-US" dirty="0"/>
           </a:p>
           <a:p>
             <a:pPr marL="342900" indent="-342900">
@@ -19342,12 +19210,19 @@
               <a:buAutoNum type="arabicPeriod"/>
             </a:pPr>
             <a:r>
-              <a:rPr lang="zh-CN" altLang="en-US" dirty="0">
-                <a:latin typeface="+mj-ea"/>
-                <a:ea typeface="+mj-ea"/>
+              <a:rPr lang="zh-CN" altLang="en-US" kern="0" dirty="0">
+                <a:solidFill>
+                  <a:schemeClr val="tx1">
+                    <a:lumMod val="75000"/>
+                    <a:lumOff val="25000"/>
+                  </a:schemeClr>
+                </a:solidFill>
+                <a:latin typeface="思源黑体 CN Normal" panose="020B0400000000000000" pitchFamily="34" charset="-122"/>
+                <a:ea typeface="思源黑体 CN Normal" panose="020B0400000000000000" pitchFamily="34" charset="-122"/>
               </a:rPr>
-              <a:t>方案设计：给印度农民设计抗旱作物种植地图→用卫星影像在线标绘。</a:t>
+              <a:t>请您单击此处添加合适文字加以说明，可调整文字大小或者颜色等属性。</a:t>
             </a:r>
+            <a:endParaRPr lang="zh-CN" altLang="en-US" dirty="0"/>
           </a:p>
           <a:p>
             <a:pPr marL="342900" indent="-342900">
@@ -19355,33 +19230,19 @@
               <a:buAutoNum type="arabicPeriod"/>
             </a:pPr>
             <a:r>
-              <a:rPr lang="zh-CN" altLang="en-US" dirty="0">
-                <a:latin typeface="+mj-ea"/>
-                <a:ea typeface="+mj-ea"/>
+              <a:rPr lang="zh-CN" altLang="en-US" kern="0" dirty="0">
+                <a:solidFill>
+                  <a:schemeClr val="tx1">
+                    <a:lumMod val="75000"/>
+                    <a:lumOff val="25000"/>
+                  </a:schemeClr>
+                </a:solidFill>
+                <a:latin typeface="思源黑体 CN Normal" panose="020B0400000000000000" pitchFamily="34" charset="-122"/>
+                <a:ea typeface="思源黑体 CN Normal" panose="020B0400000000000000" pitchFamily="34" charset="-122"/>
               </a:rPr>
-              <a:t>技术</a:t>
+              <a:t>请您单击此处添加合适文字加以说明，可调整文字大小或者颜色等属性。</a:t>
             </a:r>
-            <a:r>
-              <a:rPr lang="en" altLang="zh-CN" dirty="0">
-                <a:latin typeface="+mj-ea"/>
-                <a:ea typeface="+mj-ea"/>
-              </a:rPr>
-              <a:t>PK</a:t>
-            </a:r>
-            <a:r>
-              <a:rPr lang="zh-CN" altLang="en" dirty="0">
-                <a:latin typeface="+mj-ea"/>
-                <a:ea typeface="+mj-ea"/>
-              </a:rPr>
-              <a:t>：</a:t>
-            </a:r>
-            <a:r>
-              <a:rPr lang="zh-CN" altLang="en-US" dirty="0">
-                <a:latin typeface="+mj-ea"/>
-                <a:ea typeface="+mj-ea"/>
-              </a:rPr>
-              <a:t>对比国产北斗和谷歌地球在湄公河测速的精度→发起班级投票。</a:t>
-            </a:r>
+            <a:endParaRPr lang="zh-CN" altLang="en-US" dirty="0"/>
           </a:p>
           <a:p>
             <a:pPr marL="342900" indent="-342900">
@@ -19389,26 +19250,19 @@
               <a:buAutoNum type="arabicPeriod"/>
             </a:pPr>
             <a:r>
-              <a:rPr lang="zh-CN" altLang="en-US" dirty="0">
-                <a:latin typeface="+mj-ea"/>
-                <a:ea typeface="+mj-ea"/>
+              <a:rPr lang="zh-CN" altLang="en-US" kern="0" dirty="0">
+                <a:solidFill>
+                  <a:schemeClr val="tx1">
+                    <a:lumMod val="75000"/>
+                    <a:lumOff val="25000"/>
+                  </a:schemeClr>
+                </a:solidFill>
+                <a:latin typeface="思源黑体 CN Normal" panose="020B0400000000000000" pitchFamily="34" charset="-122"/>
+                <a:ea typeface="思源黑体 CN Normal" panose="020B0400000000000000" pitchFamily="34" charset="-122"/>
               </a:rPr>
-              <a:t>实战演习：用</a:t>
+              <a:t>请您单击此处添加合适文字加以说明，可调整文字大小或者颜色等属性。</a:t>
             </a:r>
-            <a:r>
-              <a:rPr lang="en" altLang="zh-CN" dirty="0">
-                <a:latin typeface="+mj-ea"/>
-                <a:ea typeface="+mj-ea"/>
-              </a:rPr>
-              <a:t>AR</a:t>
-            </a:r>
-            <a:r>
-              <a:rPr lang="zh-CN" altLang="en-US" dirty="0">
-                <a:latin typeface="+mj-ea"/>
-                <a:ea typeface="+mj-ea"/>
-              </a:rPr>
-              <a:t>沙盘模拟朝鲜半岛山地作战的地形利弊→组队攻防战。</a:t>
-            </a:r>
+            <a:endParaRPr lang="zh-CN" altLang="en-US" dirty="0"/>
           </a:p>
           <a:p>
             <a:pPr marL="342900" indent="-342900">
@@ -19416,26 +19270,25 @@
               <a:buAutoNum type="arabicPeriod"/>
             </a:pPr>
             <a:r>
-              <a:rPr lang="zh-CN" altLang="en-US" dirty="0">
-                <a:latin typeface="+mj-ea"/>
-                <a:ea typeface="+mj-ea"/>
+              <a:rPr lang="zh-CN" altLang="en-US" kern="0" dirty="0">
+                <a:solidFill>
+                  <a:schemeClr val="tx1">
+                    <a:lumMod val="75000"/>
+                    <a:lumOff val="25000"/>
+                  </a:schemeClr>
+                </a:solidFill>
+                <a:latin typeface="思源黑体 CN Normal" panose="020B0400000000000000" pitchFamily="34" charset="-122"/>
+                <a:ea typeface="思源黑体 CN Normal" panose="020B0400000000000000" pitchFamily="34" charset="-122"/>
               </a:rPr>
-              <a:t>成果引爆：把青藏铁路冻土解决方案做成动感</a:t>
+              <a:t>请您单击此处添加合适文字加以说明，可调整文字大小或者颜色等属性。</a:t>
             </a:r>
-            <a:r>
-              <a:rPr lang="en" altLang="zh-CN" dirty="0">
-                <a:latin typeface="+mj-ea"/>
-                <a:ea typeface="+mj-ea"/>
-              </a:rPr>
-              <a:t>PPT→@</a:t>
-            </a:r>
-            <a:r>
-              <a:rPr lang="zh-CN" altLang="en-US" dirty="0">
-                <a:latin typeface="+mj-ea"/>
-                <a:ea typeface="+mj-ea"/>
-              </a:rPr>
-              <a:t>人民日报投稿。</a:t>
-            </a:r>
+            <a:endParaRPr lang="zh-CN" altLang="en-US" dirty="0"/>
+          </a:p>
+          <a:p>
+            <a:pPr marL="342900" indent="-342900">
+              <a:buFont typeface="+mj-lt"/>
+              <a:buAutoNum type="arabicPeriod"/>
+            </a:pPr>
             <a:endParaRPr lang="en-US" altLang="zh-CN" kern="0" dirty="0">
               <a:solidFill>
                 <a:schemeClr val="tx1">
@@ -19986,7 +19839,7 @@
         <p:spPr>
           <a:xfrm>
             <a:off x="1545771" y="2656328"/>
-            <a:ext cx="9786620" cy="1077218"/>
+            <a:ext cx="9786620" cy="338554"/>
           </a:xfrm>
           <a:prstGeom prst="rect">
             <a:avLst/>
@@ -20000,124 +19853,19 @@
           <a:lstStyle/>
           <a:p>
             <a:r>
-              <a:rPr lang="zh-CN" altLang="en-US" sz="1600" dirty="0">
-                <a:latin typeface="+mj-ea"/>
-                <a:ea typeface="+mj-ea"/>
+              <a:rPr lang="zh-CN" altLang="en-US" sz="1600" kern="0" dirty="0">
+                <a:solidFill>
+                  <a:schemeClr val="tx1">
+                    <a:lumMod val="75000"/>
+                    <a:lumOff val="25000"/>
+                  </a:schemeClr>
+                </a:solidFill>
+                <a:latin typeface="思源黑体 CN Normal" panose="020B0400000000000000" pitchFamily="34" charset="-122"/>
+                <a:ea typeface="思源黑体 CN Normal" panose="020B0400000000000000" pitchFamily="34" charset="-122"/>
               </a:rPr>
-              <a:t>当你在抖音刷到喜马拉雅山雪线后退的视频，在</a:t>
+              <a:t>请您单击此处添加合适文字加以说明，可调整文字大小或者颜色等属性。</a:t>
             </a:r>
-            <a:r>
-              <a:rPr lang="en-US" altLang="zh-CN" sz="1600" dirty="0">
-                <a:latin typeface="+mj-ea"/>
-                <a:ea typeface="+mj-ea"/>
-              </a:rPr>
-              <a:t>《</a:t>
-            </a:r>
-            <a:r>
-              <a:rPr lang="zh-CN" altLang="en-US" sz="1600" dirty="0">
-                <a:latin typeface="+mj-ea"/>
-                <a:ea typeface="+mj-ea"/>
-              </a:rPr>
-              <a:t>王者荣耀</a:t>
-            </a:r>
-            <a:r>
-              <a:rPr lang="en-US" altLang="zh-CN" sz="1600" dirty="0">
-                <a:latin typeface="+mj-ea"/>
-                <a:ea typeface="+mj-ea"/>
-              </a:rPr>
-              <a:t>》</a:t>
-            </a:r>
-            <a:r>
-              <a:rPr lang="zh-CN" altLang="en-US" sz="1600" dirty="0">
-                <a:latin typeface="+mj-ea"/>
-                <a:ea typeface="+mj-ea"/>
-              </a:rPr>
-              <a:t>用韩信跨越安第斯山脉时</a:t>
-            </a:r>
-            <a:r>
-              <a:rPr lang="en-US" altLang="zh-CN" sz="1600" dirty="0">
-                <a:latin typeface="+mj-ea"/>
-                <a:ea typeface="+mj-ea"/>
-              </a:rPr>
-              <a:t>——</a:t>
-            </a:r>
-            <a:r>
-              <a:rPr lang="zh-CN" altLang="en-US" sz="1600" dirty="0">
-                <a:latin typeface="+mj-ea"/>
-                <a:ea typeface="+mj-ea"/>
-              </a:rPr>
-              <a:t>这就是地理技术的主场！拿起你的遥感地图、</a:t>
-            </a:r>
-            <a:r>
-              <a:rPr lang="en" altLang="zh-CN" sz="1600" dirty="0">
-                <a:latin typeface="+mj-ea"/>
-                <a:ea typeface="+mj-ea"/>
-              </a:rPr>
-              <a:t>AR</a:t>
-            </a:r>
-            <a:r>
-              <a:rPr lang="zh-CN" altLang="en-US" sz="1600" dirty="0">
-                <a:latin typeface="+mj-ea"/>
-                <a:ea typeface="+mj-ea"/>
-              </a:rPr>
-              <a:t>沙盘和</a:t>
-            </a:r>
-            <a:r>
-              <a:rPr lang="en" altLang="zh-CN" sz="1600" dirty="0">
-                <a:latin typeface="+mj-ea"/>
-                <a:ea typeface="+mj-ea"/>
-              </a:rPr>
-              <a:t>GIS</a:t>
-            </a:r>
-            <a:r>
-              <a:rPr lang="zh-CN" altLang="en-US" sz="1600" dirty="0">
-                <a:latin typeface="+mj-ea"/>
-                <a:ea typeface="+mj-ea"/>
-              </a:rPr>
-              <a:t>神器，去破解东京湾区核辐射扩散模型，去设计让印度农民免于旱灾的种植地图</a:t>
-            </a:r>
-            <a:r>
-              <a:rPr lang="en-US" altLang="zh-CN" sz="1600" dirty="0">
-                <a:latin typeface="+mj-ea"/>
-                <a:ea typeface="+mj-ea"/>
-              </a:rPr>
-              <a:t>…</a:t>
-            </a:r>
-            <a:r>
-              <a:rPr lang="zh-CN" altLang="en-US" sz="1600" dirty="0">
-                <a:latin typeface="+mj-ea"/>
-                <a:ea typeface="+mj-ea"/>
-              </a:rPr>
-              <a:t>现在点击教材第</a:t>
-            </a:r>
-            <a:r>
-              <a:rPr lang="en-US" altLang="zh-CN" sz="1600" dirty="0">
-                <a:latin typeface="+mj-ea"/>
-                <a:ea typeface="+mj-ea"/>
-              </a:rPr>
-              <a:t>24</a:t>
-            </a:r>
-            <a:r>
-              <a:rPr lang="zh-CN" altLang="en-US" sz="1600" dirty="0">
-                <a:latin typeface="+mj-ea"/>
-                <a:ea typeface="+mj-ea"/>
-              </a:rPr>
-              <a:t>页的二维码，开启你的第一个“亚洲地理盲盒任务”</a:t>
-            </a:r>
-            <a:r>
-              <a:rPr lang="en-US" altLang="zh-CN" sz="1600" dirty="0">
-                <a:latin typeface="+mj-ea"/>
-                <a:ea typeface="+mj-ea"/>
-              </a:rPr>
-              <a:t>——</a:t>
-            </a:r>
-            <a:r>
-              <a:rPr lang="zh-CN" altLang="en-US" sz="1600" dirty="0">
-                <a:latin typeface="+mj-ea"/>
-                <a:ea typeface="+mj-ea"/>
-              </a:rPr>
-              <a:t>谁将是班级第一个用等高线拯救敦煌莫高窟的超级英雄？</a:t>
-            </a:r>
+            <a:endParaRPr lang="zh-CN" altLang="en-US" sz="1600" dirty="0"/>
           </a:p>
         </p:txBody>
       </p:sp>
@@ -31099,18 +30847,28 @@
               <a:defRPr/>
             </a:pPr>
             <a:r>
-              <a:rPr lang="zh-CN" altLang="en-US" sz="5400" dirty="0">
+              <a:rPr lang="zh-CN" altLang="en-US" sz="5400" kern="0" dirty="0">
                 <a:solidFill>
                   <a:schemeClr val="tx1">
-                    <a:lumMod val="85000"/>
-                    <a:lumOff val="15000"/>
+                    <a:lumMod val="75000"/>
+                    <a:lumOff val="25000"/>
                   </a:schemeClr>
                 </a:solidFill>
-                <a:latin typeface="思源宋体 CN Heavy" panose="02020900000000000000" charset="-122"/>
-                <a:ea typeface="思源宋体 CN Heavy" panose="02020900000000000000" charset="-122"/>
+                <a:latin typeface="思源黑体 CN Normal" panose="020B0400000000000000" pitchFamily="34" charset="-122"/>
+                <a:ea typeface="思源黑体 CN Normal" panose="020B0400000000000000" pitchFamily="34" charset="-122"/>
               </a:rPr>
-              <a:t>目标与任务导学设计</a:t>
+              <a:t>请您单击此处添加</a:t>
             </a:r>
+            <a:endParaRPr lang="zh-CN" altLang="en-US" sz="5400" dirty="0">
+              <a:solidFill>
+                <a:schemeClr val="tx1">
+                  <a:lumMod val="85000"/>
+                  <a:lumOff val="15000"/>
+                </a:schemeClr>
+              </a:solidFill>
+              <a:latin typeface="思源宋体 CN Heavy" panose="02020900000000000000" charset="-122"/>
+              <a:ea typeface="思源宋体 CN Heavy" panose="02020900000000000000" charset="-122"/>
+            </a:endParaRPr>
           </a:p>
         </p:txBody>
       </p:sp>
@@ -32778,7 +32536,7 @@
         <p:spPr>
           <a:xfrm>
             <a:off x="1703352" y="1443775"/>
-            <a:ext cx="8496562" cy="1306191"/>
+            <a:ext cx="8496562" cy="1167692"/>
           </a:xfrm>
           <a:prstGeom prst="rect">
             <a:avLst/>
@@ -32822,22 +32580,35 @@
             </a:endParaRPr>
           </a:p>
           <a:p>
+            <a:pPr lvl="0">
+              <a:lnSpc>
+                <a:spcPct val="150000"/>
+              </a:lnSpc>
+              <a:defRPr/>
+            </a:pPr>
             <a:r>
-              <a:rPr lang="zh-CN" altLang="en-US" b="1" dirty="0"/>
-              <a:t>设疑问题</a:t>
+              <a:rPr lang="zh-CN" altLang="en-US" kern="0" dirty="0">
+                <a:solidFill>
+                  <a:schemeClr val="tx1">
+                    <a:lumMod val="75000"/>
+                    <a:lumOff val="25000"/>
+                  </a:schemeClr>
+                </a:solidFill>
+                <a:latin typeface="思源黑体 CN Normal" panose="020B0400000000000000" pitchFamily="34" charset="-122"/>
+                <a:ea typeface="思源黑体 CN Normal" panose="020B0400000000000000" pitchFamily="34" charset="-122"/>
+              </a:rPr>
+              <a:t>请您单击此处添加合适文字加以说明，可调整文字大小或者颜色等属性。</a:t>
             </a:r>
-            <a:r>
-              <a:rPr lang="zh-CN" altLang="en-US" dirty="0"/>
-              <a:t>：北京的暴雨淹没街道、新疆的葡萄因冰雹绝收</a:t>
-            </a:r>
-            <a:r>
-              <a:rPr lang="en-US" altLang="zh-CN" dirty="0"/>
-              <a:t>…</a:t>
-            </a:r>
-            <a:r>
-              <a:rPr lang="zh-CN" altLang="en-US" dirty="0"/>
-              <a:t>这些极端天气背后，藏着亚洲怎样的地理密码？</a:t>
-            </a:r>
+            <a:endParaRPr lang="en-US" altLang="zh-CN" kern="0" dirty="0">
+              <a:solidFill>
+                <a:schemeClr val="tx1">
+                  <a:lumMod val="75000"/>
+                  <a:lumOff val="25000"/>
+                </a:schemeClr>
+              </a:solidFill>
+              <a:latin typeface="思源黑体 CN Normal" panose="020B0400000000000000" pitchFamily="34" charset="-122"/>
+              <a:ea typeface="思源黑体 CN Normal" panose="020B0400000000000000" pitchFamily="34" charset="-122"/>
+            </a:endParaRPr>
           </a:p>
           <a:p>
             <a:pPr lvl="0" algn="l">
@@ -33342,7 +33113,7 @@
         <p:spPr>
           <a:xfrm>
             <a:off x="1703352" y="1443775"/>
-            <a:ext cx="8496562" cy="1583190"/>
+            <a:ext cx="8496562" cy="784830"/>
           </a:xfrm>
           <a:prstGeom prst="rect">
             <a:avLst/>
@@ -33387,34 +33158,18 @@
           </a:p>
           <a:p>
             <a:r>
-              <a:rPr lang="zh-CN" altLang="en-US" dirty="0">
-                <a:latin typeface="+mj-ea"/>
-                <a:ea typeface="+mj-ea"/>
+              <a:rPr lang="zh-CN" altLang="en-US" kern="0" dirty="0">
+                <a:solidFill>
+                  <a:schemeClr val="tx1">
+                    <a:lumMod val="75000"/>
+                    <a:lumOff val="25000"/>
+                  </a:schemeClr>
+                </a:solidFill>
+                <a:latin typeface="思源黑体 CN Normal" panose="020B0400000000000000" pitchFamily="34" charset="-122"/>
+                <a:ea typeface="思源黑体 CN Normal" panose="020B0400000000000000" pitchFamily="34" charset="-122"/>
               </a:rPr>
-              <a:t>上周新闻里，巴基斯坦洪水冲毁上百万人的家园；孟加拉台风让渔船沉没</a:t>
+              <a:t>请您单击此处添加合适文字加以说明，可调整文字大小或者颜色等属性。</a:t>
             </a:r>
-            <a:r>
-              <a:rPr lang="en-US" altLang="zh-CN" dirty="0">
-                <a:latin typeface="+mj-ea"/>
-                <a:ea typeface="+mj-ea"/>
-              </a:rPr>
-              <a:t>…</a:t>
-            </a:r>
-            <a:r>
-              <a:rPr lang="zh-CN" altLang="en-US" dirty="0">
-                <a:latin typeface="+mj-ea"/>
-                <a:ea typeface="+mj-ea"/>
-              </a:rPr>
-              <a:t>这些亚洲真实灾难的背后，是山川河流的布局失衡？还是人类对地理的无知？今天起，你将化身“亚洲地理侦探”，用地图解谜技术，从等高线、风向标中找到答案。</a:t>
-            </a:r>
-          </a:p>
-          <a:p>
-            <a:pPr lvl="0" algn="l">
-              <a:lnSpc>
-                <a:spcPct val="150000"/>
-              </a:lnSpc>
-              <a:defRPr/>
-            </a:pPr>
             <a:endParaRPr lang="zh-CN" altLang="en-US" sz="1200" kern="0" dirty="0">
               <a:solidFill>
                 <a:schemeClr val="tx1">
@@ -33794,32 +33549,17 @@
               <a:buChar char="•"/>
             </a:pPr>
             <a:r>
-              <a:rPr lang="zh-CN" altLang="en-US" b="1" dirty="0">
-                <a:latin typeface="+mj-ea"/>
-                <a:ea typeface="+mj-ea"/>
+              <a:rPr lang="zh-CN" altLang="en-US" kern="0" dirty="0">
+                <a:solidFill>
+                  <a:schemeClr val="tx1">
+                    <a:lumMod val="75000"/>
+                    <a:lumOff val="25000"/>
+                  </a:schemeClr>
+                </a:solidFill>
+                <a:latin typeface="思源黑体 CN Normal" panose="020B0400000000000000" pitchFamily="34" charset="-122"/>
+                <a:ea typeface="思源黑体 CN Normal" panose="020B0400000000000000" pitchFamily="34" charset="-122"/>
               </a:rPr>
-              <a:t>解码地图形状</a:t>
-            </a:r>
-            <a:r>
-              <a:rPr lang="zh-CN" altLang="en-US" dirty="0">
-                <a:latin typeface="+mj-ea"/>
-                <a:ea typeface="+mj-ea"/>
-              </a:rPr>
-              <a:t>：</a:t>
-            </a:r>
-            <a:r>
-              <a:rPr lang="en-US" altLang="zh-CN" dirty="0">
-                <a:latin typeface="+mj-ea"/>
-                <a:ea typeface="+mj-ea"/>
-              </a:rPr>
-              <a:t>3</a:t>
-            </a:r>
-            <a:r>
-              <a:rPr lang="zh-CN" altLang="en-US" dirty="0">
-                <a:latin typeface="+mj-ea"/>
-                <a:ea typeface="+mj-ea"/>
-              </a:rPr>
-              <a:t>秒内从亚洲地形图读出“帕米尔高原是地理十字路口”的证据。</a:t>
+              <a:t>请您单击此处添加合适文字加以说明，可调整文字大小或者颜色等属性。</a:t>
             </a:r>
             <a:endParaRPr lang="en-US" altLang="zh-CN" dirty="0">
               <a:latin typeface="+mj-ea"/>
@@ -33832,22 +33572,27 @@
               <a:buChar char="•"/>
             </a:pPr>
             <a:r>
-              <a:rPr lang="zh-CN" altLang="en-US" b="1" dirty="0">
-                <a:latin typeface="+mj-ea"/>
-                <a:ea typeface="+mj-ea"/>
+              <a:rPr lang="zh-CN" altLang="en-US" kern="0" dirty="0">
+                <a:solidFill>
+                  <a:schemeClr val="tx1">
+                    <a:lumMod val="75000"/>
+                    <a:lumOff val="25000"/>
+                  </a:schemeClr>
+                </a:solidFill>
+                <a:latin typeface="思源黑体 CN Normal" panose="020B0400000000000000" pitchFamily="34" charset="-122"/>
+                <a:ea typeface="思源黑体 CN Normal" panose="020B0400000000000000" pitchFamily="34" charset="-122"/>
               </a:rPr>
-              <a:t>预测气候风云</a:t>
+              <a:t>请您单击此处添加合适文字加以说明，可调整文字大小或者颜色等属性。</a:t>
             </a:r>
-            <a:r>
-              <a:rPr lang="zh-CN" altLang="en-US" dirty="0">
-                <a:latin typeface="+mj-ea"/>
-                <a:ea typeface="+mj-ea"/>
-              </a:rPr>
-              <a:t>：用等降水量线图解北京暴雨的“水汽通道”来源。</a:t>
-            </a:r>
-            <a:endParaRPr lang="en-US" altLang="zh-CN" dirty="0">
-              <a:latin typeface="+mj-ea"/>
-              <a:ea typeface="+mj-ea"/>
+            <a:endParaRPr lang="en-US" altLang="zh-CN" kern="0" dirty="0">
+              <a:solidFill>
+                <a:schemeClr val="tx1">
+                  <a:lumMod val="75000"/>
+                  <a:lumOff val="25000"/>
+                </a:schemeClr>
+              </a:solidFill>
+              <a:latin typeface="思源黑体 CN Normal" panose="020B0400000000000000" pitchFamily="34" charset="-122"/>
+              <a:ea typeface="思源黑体 CN Normal" panose="020B0400000000000000" pitchFamily="34" charset="-122"/>
             </a:endParaRPr>
           </a:p>
           <a:p>
@@ -33856,22 +33601,27 @@
               <a:buChar char="•"/>
             </a:pPr>
             <a:r>
-              <a:rPr lang="zh-CN" altLang="en-US" b="1" dirty="0">
-                <a:latin typeface="+mj-ea"/>
-                <a:ea typeface="+mj-ea"/>
+              <a:rPr lang="zh-CN" altLang="en-US" kern="0" dirty="0">
+                <a:solidFill>
+                  <a:schemeClr val="tx1">
+                    <a:lumMod val="75000"/>
+                    <a:lumOff val="25000"/>
+                  </a:schemeClr>
+                </a:solidFill>
+                <a:latin typeface="思源黑体 CN Normal" panose="020B0400000000000000" pitchFamily="34" charset="-122"/>
+                <a:ea typeface="思源黑体 CN Normal" panose="020B0400000000000000" pitchFamily="34" charset="-122"/>
               </a:rPr>
-              <a:t>空间透视术</a:t>
+              <a:t>请您单击此处添加合适文字加以说明，可调整文字大小或者颜色等属性。</a:t>
             </a:r>
-            <a:r>
-              <a:rPr lang="zh-CN" altLang="en-US" dirty="0">
-                <a:latin typeface="+mj-ea"/>
-                <a:ea typeface="+mj-ea"/>
-              </a:rPr>
-              <a:t>：通过经纬网定位，分析青藏铁路为何避开喜马拉雅山脉最险段。</a:t>
-            </a:r>
-            <a:endParaRPr lang="en-US" altLang="zh-CN" dirty="0">
-              <a:latin typeface="+mj-ea"/>
-              <a:ea typeface="+mj-ea"/>
+            <a:endParaRPr lang="en-US" altLang="zh-CN" kern="0" dirty="0">
+              <a:solidFill>
+                <a:schemeClr val="tx1">
+                  <a:lumMod val="75000"/>
+                  <a:lumOff val="25000"/>
+                </a:schemeClr>
+              </a:solidFill>
+              <a:latin typeface="思源黑体 CN Normal" panose="020B0400000000000000" pitchFamily="34" charset="-122"/>
+              <a:ea typeface="思源黑体 CN Normal" panose="020B0400000000000000" pitchFamily="34" charset="-122"/>
             </a:endParaRPr>
           </a:p>
           <a:p>
@@ -33880,18 +33630,24 @@
               <a:buChar char="•"/>
             </a:pPr>
             <a:r>
-              <a:rPr lang="zh-CN" altLang="en-US" b="1" dirty="0">
-                <a:latin typeface="+mj-ea"/>
-                <a:ea typeface="+mj-ea"/>
+              <a:rPr lang="zh-CN" altLang="en-US" kern="0" dirty="0">
+                <a:solidFill>
+                  <a:schemeClr val="tx1">
+                    <a:lumMod val="75000"/>
+                    <a:lumOff val="25000"/>
+                  </a:schemeClr>
+                </a:solidFill>
+                <a:latin typeface="思源黑体 CN Normal" panose="020B0400000000000000" pitchFamily="34" charset="-122"/>
+                <a:ea typeface="思源黑体 CN Normal" panose="020B0400000000000000" pitchFamily="34" charset="-122"/>
               </a:rPr>
-              <a:t>人地关系连线</a:t>
+              <a:t>请您单击此处添加合适文字加以说明，可调整文字大小或者颜色等属性</a:t>
             </a:r>
             <a:r>
               <a:rPr lang="zh-CN" altLang="en-US" dirty="0">
                 <a:latin typeface="+mj-ea"/>
                 <a:ea typeface="+mj-ea"/>
               </a:rPr>
-              <a:t>：在卫星影像上圈出恒河三角洲洪灾高危区，为孟加拉渔民设计逃生路径。</a:t>
+              <a:t>。</a:t>
             </a:r>
           </a:p>
           <a:p>
@@ -33900,32 +33656,24 @@
               <a:buChar char="•"/>
             </a:pPr>
             <a:r>
-              <a:rPr lang="zh-CN" altLang="en-US" b="1" dirty="0">
-                <a:latin typeface="+mj-ea"/>
-                <a:ea typeface="+mj-ea"/>
+              <a:rPr lang="zh-CN" altLang="en-US" kern="0" dirty="0">
+                <a:solidFill>
+                  <a:schemeClr val="tx1">
+                    <a:lumMod val="75000"/>
+                    <a:lumOff val="25000"/>
+                  </a:schemeClr>
+                </a:solidFill>
+                <a:latin typeface="思源黑体 CN Normal" panose="020B0400000000000000" pitchFamily="34" charset="-122"/>
+                <a:ea typeface="思源黑体 CN Normal" panose="020B0400000000000000" pitchFamily="34" charset="-122"/>
               </a:rPr>
-              <a:t>未来规划师</a:t>
+              <a:t>请您单击此处添加合适文字加以说明，可调整文字大小或者颜色等属性</a:t>
             </a:r>
             <a:r>
               <a:rPr lang="zh-CN" altLang="en-US" dirty="0">
                 <a:latin typeface="+mj-ea"/>
                 <a:ea typeface="+mj-ea"/>
               </a:rPr>
-              <a:t>：基于</a:t>
-            </a:r>
-            <a:r>
-              <a:rPr lang="en" altLang="zh-CN" dirty="0">
-                <a:latin typeface="+mj-ea"/>
-                <a:ea typeface="+mj-ea"/>
-              </a:rPr>
-              <a:t>GIS</a:t>
-            </a:r>
-            <a:r>
-              <a:rPr lang="zh-CN" altLang="en-US" dirty="0">
-                <a:latin typeface="+mj-ea"/>
-                <a:ea typeface="+mj-ea"/>
-              </a:rPr>
-              <a:t>技术，为长江中下游设计能抗百年洪水的智能城市模型。</a:t>
+              <a:t>。</a:t>
             </a:r>
           </a:p>
           <a:p>
@@ -34082,12 +33830,22 @@
           </a:p>
           <a:p>
             <a:r>
-              <a:rPr lang="zh-CN" altLang="en-US" dirty="0">
-                <a:latin typeface="+mj-ea"/>
-                <a:ea typeface="+mj-ea"/>
+              <a:rPr lang="zh-CN" altLang="en-US" kern="0" dirty="0">
+                <a:solidFill>
+                  <a:schemeClr val="tx1">
+                    <a:lumMod val="75000"/>
+                    <a:lumOff val="25000"/>
+                  </a:schemeClr>
+                </a:solidFill>
+                <a:latin typeface="思源黑体 CN Normal" panose="020B0400000000000000" pitchFamily="34" charset="-122"/>
+                <a:ea typeface="思源黑体 CN Normal" panose="020B0400000000000000" pitchFamily="34" charset="-122"/>
               </a:rPr>
-              <a:t>准备好解锁你的地图神器，让亚洲的地理谜题无所遁形！</a:t>
+              <a:t>请您单击此处添加合适文字加以说明，可调整文字大小或者颜色等属性。</a:t>
             </a:r>
+            <a:endParaRPr lang="zh-CN" altLang="en-US" dirty="0">
+              <a:latin typeface="+mj-ea"/>
+              <a:ea typeface="+mj-ea"/>
+            </a:endParaRPr>
           </a:p>
         </p:txBody>
       </p:sp>
@@ -34704,20 +34462,19 @@
           <a:lstStyle/>
           <a:p>
             <a:r>
-              <a:rPr lang="zh-CN" altLang="en-US" dirty="0"/>
-              <a:t>若</a:t>
+              <a:rPr lang="zh-CN" altLang="en-US" kern="0" dirty="0">
+                <a:solidFill>
+                  <a:schemeClr val="tx1">
+                    <a:lumMod val="75000"/>
+                    <a:lumOff val="25000"/>
+                  </a:schemeClr>
+                </a:solidFill>
+                <a:latin typeface="思源黑体 CN Normal" panose="020B0400000000000000" pitchFamily="34" charset="-122"/>
+                <a:ea typeface="思源黑体 CN Normal" panose="020B0400000000000000" pitchFamily="34" charset="-122"/>
+              </a:rPr>
+              <a:t>请您单击此处添加合适文字加以说明，可调整文字大小或者颜色等属性。</a:t>
             </a:r>
-            <a:r>
-              <a:rPr lang="zh-CN" altLang="en-US" dirty="0">
-                <a:latin typeface="+mj-ea"/>
-                <a:ea typeface="+mj-ea"/>
-              </a:rPr>
-              <a:t>东京</a:t>
-            </a:r>
-            <a:r>
-              <a:rPr lang="zh-CN" altLang="en-US" dirty="0"/>
-              <a:t>奥运会时的台风突然转向，你能用季风图预测它袭击上海的概率吗？（单选）</a:t>
-            </a:r>
+            <a:endParaRPr lang="zh-CN" altLang="en-US" dirty="0"/>
           </a:p>
         </p:txBody>
       </p:sp>
@@ -34756,9 +34513,19 @@
           <a:lstStyle/>
           <a:p>
             <a:r>
-              <a:rPr lang="zh-CN" altLang="en-US" dirty="0"/>
-              <a:t>珠峰“身高”测量为什么要用北斗卫星而非传统测绘？（判断）</a:t>
+              <a:rPr lang="zh-CN" altLang="en-US" kern="0" dirty="0">
+                <a:solidFill>
+                  <a:schemeClr val="tx1">
+                    <a:lumMod val="75000"/>
+                    <a:lumOff val="25000"/>
+                  </a:schemeClr>
+                </a:solidFill>
+                <a:latin typeface="思源黑体 CN Normal" panose="020B0400000000000000" pitchFamily="34" charset="-122"/>
+                <a:ea typeface="思源黑体 CN Normal" panose="020B0400000000000000" pitchFamily="34" charset="-122"/>
+              </a:rPr>
+              <a:t>请您单击此处添加合适文字加以说明，可调整文字大小或者颜色等属性。</a:t>
             </a:r>
+            <a:endParaRPr lang="zh-CN" altLang="en-US" dirty="0"/>
           </a:p>
         </p:txBody>
       </p:sp>
@@ -34797,9 +34564,19 @@
           <a:lstStyle/>
           <a:p>
             <a:r>
-              <a:rPr lang="zh-CN" altLang="en-US" dirty="0"/>
-              <a:t>假设你是中亚输油管道工程师，哪条线路既能避开地震带又最短？（绘图解答）</a:t>
+              <a:rPr lang="zh-CN" altLang="en-US" kern="0" dirty="0">
+                <a:solidFill>
+                  <a:schemeClr val="tx1">
+                    <a:lumMod val="75000"/>
+                    <a:lumOff val="25000"/>
+                  </a:schemeClr>
+                </a:solidFill>
+                <a:latin typeface="思源黑体 CN Normal" panose="020B0400000000000000" pitchFamily="34" charset="-122"/>
+                <a:ea typeface="思源黑体 CN Normal" panose="020B0400000000000000" pitchFamily="34" charset="-122"/>
+              </a:rPr>
+              <a:t>请您单击此处添加合适文字加以说明，可调整文字大小或者颜色等属性。</a:t>
             </a:r>
+            <a:endParaRPr lang="zh-CN" altLang="en-US" dirty="0"/>
           </a:p>
         </p:txBody>
       </p:sp>
@@ -34905,7 +34682,7 @@
         <p:spPr bwMode="auto">
           <a:xfrm>
             <a:off x="1764187" y="5104228"/>
-            <a:ext cx="8614992" cy="830997"/>
+            <a:ext cx="8614992" cy="584775"/>
           </a:xfrm>
           <a:prstGeom prst="rect">
             <a:avLst/>
@@ -34936,103 +34713,22 @@
           </a:p>
           <a:p>
             <a:r>
-              <a:rPr lang="zh-CN" altLang="en-US" sz="1600" dirty="0">
-                <a:latin typeface="+mj-ea"/>
-                <a:ea typeface="+mj-ea"/>
+              <a:rPr lang="zh-CN" altLang="en-US" sz="1600" kern="0" dirty="0">
+                <a:solidFill>
+                  <a:schemeClr val="tx1">
+                    <a:lumMod val="75000"/>
+                    <a:lumOff val="25000"/>
+                  </a:schemeClr>
+                </a:solidFill>
+                <a:latin typeface="思源黑体 CN Normal" panose="020B0400000000000000" pitchFamily="34" charset="-122"/>
+                <a:ea typeface="思源黑体 CN Normal" panose="020B0400000000000000" pitchFamily="34" charset="-122"/>
               </a:rPr>
-              <a:t>成为亚洲气候</a:t>
+              <a:t>请您单击此处添加合适文字加以说明，可调整文字大小或者颜色等属性。</a:t>
             </a:r>
-            <a:r>
-              <a:rPr lang="en-US" altLang="zh-CN" sz="1600" dirty="0">
-                <a:latin typeface="+mj-ea"/>
-                <a:ea typeface="+mj-ea"/>
-              </a:rPr>
-              <a:t>/</a:t>
-            </a:r>
-            <a:r>
-              <a:rPr lang="zh-CN" altLang="en-US" sz="1600" dirty="0">
-                <a:latin typeface="+mj-ea"/>
-                <a:ea typeface="+mj-ea"/>
-              </a:rPr>
-              <a:t>地形</a:t>
-            </a:r>
-            <a:r>
-              <a:rPr lang="en-US" altLang="zh-CN" sz="1600" dirty="0">
-                <a:latin typeface="+mj-ea"/>
-                <a:ea typeface="+mj-ea"/>
-              </a:rPr>
-              <a:t>/</a:t>
-            </a:r>
-            <a:r>
-              <a:rPr lang="zh-CN" altLang="en-US" sz="1600" dirty="0">
-                <a:latin typeface="+mj-ea"/>
-                <a:ea typeface="+mj-ea"/>
-              </a:rPr>
-              <a:t>灾害“三重间谍”！用分层设色地图</a:t>
-            </a:r>
-            <a:r>
-              <a:rPr lang="en-US" altLang="zh-CN" sz="1600" dirty="0">
-                <a:latin typeface="+mj-ea"/>
-                <a:ea typeface="+mj-ea"/>
-              </a:rPr>
-              <a:t>+</a:t>
-            </a:r>
-            <a:r>
-              <a:rPr lang="zh-CN" altLang="en-US" sz="1600" dirty="0">
-                <a:latin typeface="+mj-ea"/>
-                <a:ea typeface="+mj-ea"/>
-              </a:rPr>
-              <a:t>气象</a:t>
-            </a:r>
-            <a:r>
-              <a:rPr lang="en" altLang="zh-CN" sz="1600" dirty="0">
-                <a:latin typeface="+mj-ea"/>
-                <a:ea typeface="+mj-ea"/>
-              </a:rPr>
-              <a:t>App</a:t>
-            </a:r>
-            <a:r>
-              <a:rPr lang="zh-CN" altLang="en" sz="1600" dirty="0">
-                <a:latin typeface="+mj-ea"/>
-                <a:ea typeface="+mj-ea"/>
-              </a:rPr>
-              <a:t>，</a:t>
-            </a:r>
-            <a:r>
-              <a:rPr lang="zh-CN" altLang="en-US" sz="1600" dirty="0">
-                <a:latin typeface="+mj-ea"/>
-                <a:ea typeface="+mj-ea"/>
-              </a:rPr>
-              <a:t>侦破</a:t>
-            </a:r>
-            <a:r>
-              <a:rPr lang="en-US" altLang="zh-CN" sz="1600" dirty="0">
-                <a:latin typeface="+mj-ea"/>
-                <a:ea typeface="+mj-ea"/>
-              </a:rPr>
-              <a:t>2023</a:t>
-            </a:r>
-            <a:r>
-              <a:rPr lang="zh-CN" altLang="en-US" sz="1600" dirty="0">
-                <a:latin typeface="+mj-ea"/>
-                <a:ea typeface="+mj-ea"/>
-              </a:rPr>
-              <a:t>年巴基斯坦洪灾的“自然帮凶”与“人类内鬼”，并制作防災科普</a:t>
-            </a:r>
-            <a:r>
-              <a:rPr lang="en" altLang="zh-CN" sz="1600" dirty="0">
-                <a:latin typeface="+mj-ea"/>
-                <a:ea typeface="+mj-ea"/>
-              </a:rPr>
-              <a:t>H5</a:t>
-            </a:r>
-            <a:r>
-              <a:rPr lang="zh-CN" altLang="en-US" sz="1600" dirty="0">
-                <a:latin typeface="+mj-ea"/>
-                <a:ea typeface="+mj-ea"/>
-              </a:rPr>
-              <a:t>推送给当地学生。</a:t>
-            </a:r>
+            <a:endParaRPr lang="zh-CN" altLang="en-US" sz="1600" dirty="0">
+              <a:latin typeface="+mj-ea"/>
+              <a:ea typeface="+mj-ea"/>
+            </a:endParaRPr>
           </a:p>
         </p:txBody>
       </p:sp>
@@ -35286,15 +34982,28 @@
               <a:defRPr/>
             </a:pPr>
             <a:r>
-              <a:rPr lang="zh-CN" altLang="en-US" sz="5400" dirty="0">
-                <a:solidFill>
-                  <a:srgbClr val="323232"/>
-                </a:solidFill>
-                <a:latin typeface="思源宋体 CN Heavy" panose="02020900000000000000" charset="-122"/>
-                <a:ea typeface="思源宋体 CN Heavy" panose="02020900000000000000" charset="-122"/>
+              <a:rPr lang="zh-CN" altLang="en-US" sz="5400" kern="0" dirty="0">
+                <a:solidFill>
+                  <a:schemeClr val="tx1">
+                    <a:lumMod val="75000"/>
+                    <a:lumOff val="25000"/>
+                  </a:schemeClr>
+                </a:solidFill>
+                <a:latin typeface="思源黑体 CN Normal" panose="020B0400000000000000" pitchFamily="34" charset="-122"/>
+                <a:ea typeface="思源黑体 CN Normal" panose="020B0400000000000000" pitchFamily="34" charset="-122"/>
               </a:rPr>
-              <a:t>知识与能力导学设计</a:t>
+              <a:t>请您单击此处添加</a:t>
             </a:r>
+            <a:endParaRPr lang="zh-CN" altLang="en-US" sz="5400" dirty="0">
+              <a:solidFill>
+                <a:schemeClr val="tx1">
+                  <a:lumMod val="85000"/>
+                  <a:lumOff val="15000"/>
+                </a:schemeClr>
+              </a:solidFill>
+              <a:latin typeface="思源宋体 CN Heavy" panose="02020900000000000000" charset="-122"/>
+              <a:ea typeface="思源宋体 CN Heavy" panose="02020900000000000000" charset="-122"/>
+            </a:endParaRPr>
           </a:p>
         </p:txBody>
       </p:sp>
@@ -35877,7 +35586,7 @@
         <p:spPr>
           <a:xfrm>
             <a:off x="1703352" y="1443775"/>
-            <a:ext cx="8496562" cy="1061829"/>
+            <a:ext cx="8496562" cy="784830"/>
           </a:xfrm>
           <a:prstGeom prst="rect">
             <a:avLst/>
@@ -35922,34 +35631,19 @@
           </a:p>
           <a:p>
             <a:r>
-              <a:rPr lang="zh-CN" altLang="en-US" b="1" dirty="0"/>
-              <a:t>设疑问题</a:t>
+              <a:rPr lang="zh-CN" altLang="en-US" kern="0" dirty="0">
+                <a:solidFill>
+                  <a:schemeClr val="tx1">
+                    <a:lumMod val="75000"/>
+                    <a:lumOff val="25000"/>
+                  </a:schemeClr>
+                </a:solidFill>
+                <a:latin typeface="思源黑体 CN Normal" panose="020B0400000000000000" pitchFamily="34" charset="-122"/>
+                <a:ea typeface="思源黑体 CN Normal" panose="020B0400000000000000" pitchFamily="34" charset="-122"/>
+              </a:rPr>
+              <a:t>请您单击此处添加合适文字加以说明，可调整文字大小或者颜色等属性。</a:t>
             </a:r>
-            <a:r>
-              <a:rPr lang="zh-CN" altLang="en-US" dirty="0"/>
-              <a:t>：</a:t>
-            </a:r>
-            <a:r>
-              <a:rPr lang="zh-CN" altLang="en-US" dirty="0">
-                <a:latin typeface="+mj-ea"/>
-                <a:ea typeface="+mj-ea"/>
-              </a:rPr>
-              <a:t>为什么塔克拉玛干沙漠和印度半岛同处北纬</a:t>
-            </a:r>
-            <a:r>
-              <a:rPr lang="en-US" altLang="zh-CN" dirty="0">
-                <a:latin typeface="+mj-ea"/>
-                <a:ea typeface="+mj-ea"/>
-              </a:rPr>
-              <a:t>30°</a:t>
-            </a:r>
-            <a:r>
-              <a:rPr lang="zh-CN" altLang="en-US" dirty="0">
-                <a:latin typeface="+mj-ea"/>
-                <a:ea typeface="+mj-ea"/>
-              </a:rPr>
-              <a:t>，却一个黄沙漫天一个暴雨倾盆？</a:t>
-            </a:r>
+            <a:endParaRPr lang="zh-CN" altLang="en-US" dirty="0"/>
           </a:p>
         </p:txBody>
       </p:sp>
